--- a/Meetings/2018.04.24-PhDOutline.pptx
+++ b/Meetings/2018.04.24-PhDOutline.pptx
@@ -238,7 +238,7 @@
           <a:p>
             <a:fld id="{C4FA8CDB-8DD7-4860-AB92-9053B68FDE61}" type="datetimeFigureOut">
               <a:rPr lang="en-CA" smtClean="0"/>
-              <a:t>20/04/2018</a:t>
+              <a:t>18-04-23</a:t>
             </a:fld>
             <a:endParaRPr lang="en-CA"/>
           </a:p>
@@ -408,7 +408,7 @@
           <a:p>
             <a:fld id="{C4FA8CDB-8DD7-4860-AB92-9053B68FDE61}" type="datetimeFigureOut">
               <a:rPr lang="en-CA" smtClean="0"/>
-              <a:t>20/04/2018</a:t>
+              <a:t>18-04-23</a:t>
             </a:fld>
             <a:endParaRPr lang="en-CA"/>
           </a:p>
@@ -588,7 +588,7 @@
           <a:p>
             <a:fld id="{C4FA8CDB-8DD7-4860-AB92-9053B68FDE61}" type="datetimeFigureOut">
               <a:rPr lang="en-CA" smtClean="0"/>
-              <a:t>20/04/2018</a:t>
+              <a:t>18-04-23</a:t>
             </a:fld>
             <a:endParaRPr lang="en-CA"/>
           </a:p>
@@ -758,7 +758,7 @@
           <a:p>
             <a:fld id="{C4FA8CDB-8DD7-4860-AB92-9053B68FDE61}" type="datetimeFigureOut">
               <a:rPr lang="en-CA" smtClean="0"/>
-              <a:t>20/04/2018</a:t>
+              <a:t>18-04-23</a:t>
             </a:fld>
             <a:endParaRPr lang="en-CA"/>
           </a:p>
@@ -1002,7 +1002,7 @@
           <a:p>
             <a:fld id="{C4FA8CDB-8DD7-4860-AB92-9053B68FDE61}" type="datetimeFigureOut">
               <a:rPr lang="en-CA" smtClean="0"/>
-              <a:t>20/04/2018</a:t>
+              <a:t>18-04-23</a:t>
             </a:fld>
             <a:endParaRPr lang="en-CA"/>
           </a:p>
@@ -1234,7 +1234,7 @@
           <a:p>
             <a:fld id="{C4FA8CDB-8DD7-4860-AB92-9053B68FDE61}" type="datetimeFigureOut">
               <a:rPr lang="en-CA" smtClean="0"/>
-              <a:t>20/04/2018</a:t>
+              <a:t>18-04-23</a:t>
             </a:fld>
             <a:endParaRPr lang="en-CA"/>
           </a:p>
@@ -1601,7 +1601,7 @@
           <a:p>
             <a:fld id="{C4FA8CDB-8DD7-4860-AB92-9053B68FDE61}" type="datetimeFigureOut">
               <a:rPr lang="en-CA" smtClean="0"/>
-              <a:t>20/04/2018</a:t>
+              <a:t>18-04-23</a:t>
             </a:fld>
             <a:endParaRPr lang="en-CA"/>
           </a:p>
@@ -1719,7 +1719,7 @@
           <a:p>
             <a:fld id="{C4FA8CDB-8DD7-4860-AB92-9053B68FDE61}" type="datetimeFigureOut">
               <a:rPr lang="en-CA" smtClean="0"/>
-              <a:t>20/04/2018</a:t>
+              <a:t>18-04-23</a:t>
             </a:fld>
             <a:endParaRPr lang="en-CA"/>
           </a:p>
@@ -1814,7 +1814,7 @@
           <a:p>
             <a:fld id="{C4FA8CDB-8DD7-4860-AB92-9053B68FDE61}" type="datetimeFigureOut">
               <a:rPr lang="en-CA" smtClean="0"/>
-              <a:t>20/04/2018</a:t>
+              <a:t>18-04-23</a:t>
             </a:fld>
             <a:endParaRPr lang="en-CA"/>
           </a:p>
@@ -2091,7 +2091,7 @@
           <a:p>
             <a:fld id="{C4FA8CDB-8DD7-4860-AB92-9053B68FDE61}" type="datetimeFigureOut">
               <a:rPr lang="en-CA" smtClean="0"/>
-              <a:t>20/04/2018</a:t>
+              <a:t>18-04-23</a:t>
             </a:fld>
             <a:endParaRPr lang="en-CA"/>
           </a:p>
@@ -2348,7 +2348,7 @@
           <a:p>
             <a:fld id="{C4FA8CDB-8DD7-4860-AB92-9053B68FDE61}" type="datetimeFigureOut">
               <a:rPr lang="en-CA" smtClean="0"/>
-              <a:t>20/04/2018</a:t>
+              <a:t>18-04-23</a:t>
             </a:fld>
             <a:endParaRPr lang="en-CA"/>
           </a:p>
@@ -2561,7 +2561,7 @@
           <a:p>
             <a:fld id="{C4FA8CDB-8DD7-4860-AB92-9053B68FDE61}" type="datetimeFigureOut">
               <a:rPr lang="en-CA" smtClean="0"/>
-              <a:t>20/04/2018</a:t>
+              <a:t>18-04-23</a:t>
             </a:fld>
             <a:endParaRPr lang="en-CA"/>
           </a:p>
@@ -3302,7 +3302,6 @@
               <a:rPr lang="en-CA" sz="1200" dirty="0" smtClean="0"/>
               <a:t>Synchrony to long known stim as comparison</a:t>
             </a:r>
-            <a:endParaRPr lang="en-CA" sz="1200" dirty="0" smtClean="0"/>
           </a:p>
           <a:p>
             <a:pPr marL="171450" indent="-171450">
@@ -3511,7 +3510,15 @@
             </a:pPr>
             <a:r>
               <a:rPr lang="en-CA" sz="1200" dirty="0" smtClean="0"/>
-              <a:t>Data mining the RUSH data with </a:t>
+              <a:t>Data mining the RUSH data </a:t>
+            </a:r>
+            <a:r>
+              <a:rPr lang="mr-IN" sz="1200" dirty="0" smtClean="0"/>
+              <a:t>–</a:t>
+            </a:r>
+            <a:r>
+              <a:rPr lang="en-CA" sz="1200" dirty="0" smtClean="0"/>
+              <a:t> </a:t>
             </a:r>
             <a:r>
               <a:rPr lang="en-CA" sz="1200" dirty="0" err="1" smtClean="0"/>
@@ -3656,7 +3663,7 @@
           </a:prstGeom>
           <a:noFill/>
           <a:extLst>
-            <a:ext uri="{909E8E84-426E-40DD-AFC4-6F175D3DCCD1}">
+            <a:ext uri="{909E8E84-426E-40dd-AFC4-6F175D3DCCD1}">
               <a14:hiddenFill xmlns:a14="http://schemas.microsoft.com/office/drawing/2010/main">
                 <a:solidFill>
                   <a:srgbClr val="FFFFFF"/>
@@ -3697,7 +3704,7 @@
           </a:prstGeom>
           <a:noFill/>
           <a:extLst>
-            <a:ext uri="{909E8E84-426E-40DD-AFC4-6F175D3DCCD1}">
+            <a:ext uri="{909E8E84-426E-40dd-AFC4-6F175D3DCCD1}">
               <a14:hiddenFill xmlns:a14="http://schemas.microsoft.com/office/drawing/2010/main">
                 <a:solidFill>
                   <a:srgbClr val="FFFFFF"/>
@@ -3738,7 +3745,7 @@
           </a:prstGeom>
           <a:noFill/>
           <a:extLst>
-            <a:ext uri="{909E8E84-426E-40DD-AFC4-6F175D3DCCD1}">
+            <a:ext uri="{909E8E84-426E-40dd-AFC4-6F175D3DCCD1}">
               <a14:hiddenFill xmlns:a14="http://schemas.microsoft.com/office/drawing/2010/main">
                 <a:solidFill>
                   <a:srgbClr val="FFFFFF"/>
@@ -3927,7 +3934,7 @@
           </a:prstGeom>
           <a:noFill/>
           <a:extLst>
-            <a:ext uri="{909E8E84-426E-40DD-AFC4-6F175D3DCCD1}">
+            <a:ext uri="{909E8E84-426E-40dd-AFC4-6F175D3DCCD1}">
               <a14:hiddenFill xmlns:a14="http://schemas.microsoft.com/office/drawing/2010/main">
                 <a:solidFill>
                   <a:srgbClr val="FFFFFF"/>
@@ -4023,7 +4030,7 @@
     </a:clrScheme>
     <a:fontScheme name="Office Theme">
       <a:majorFont>
-        <a:latin typeface="Calibri Light" panose="020F0302020204030204"/>
+        <a:latin typeface="Calibri Light"/>
         <a:ea typeface=""/>
         <a:cs typeface=""/>
         <a:font script="Jpan" typeface="ＭＳ Ｐゴシック"/>
@@ -4058,7 +4065,7 @@
         <a:font script="Geor" typeface="Sylfaen"/>
       </a:majorFont>
       <a:minorFont>
-        <a:latin typeface="Calibri" panose="020F0502020204030204"/>
+        <a:latin typeface="Calibri"/>
         <a:ea typeface=""/>
         <a:cs typeface=""/>
         <a:font script="Jpan" typeface="ＭＳ Ｐゴシック"/>
@@ -4235,7 +4242,7 @@
   <a:extraClrSchemeLst/>
   <a:extLst>
     <a:ext uri="{05A4C25C-085E-4340-85A3-A5531E510DB2}">
-      <thm15:themeFamily xmlns:thm15="http://schemas.microsoft.com/office/thememl/2012/main" name="Office Theme" id="{62F939B6-93AF-4DB8-9C6B-D6C7DFDC589F}" vid="{4A3C46E8-61CC-4603-A589-7422A47A8E4A}"/>
+      <thm15:themeFamily xmlns:thm15="http://schemas.microsoft.com/office/thememl/2012/main" xmlns="" name="Office Theme" id="{62F939B6-93AF-4DB8-9C6B-D6C7DFDC589F}" vid="{4A3C46E8-61CC-4603-A589-7422A47A8E4A}"/>
     </a:ext>
   </a:extLst>
 </a:theme>

--- a/Meetings/2018.04.24-PhDOutline.pptx
+++ b/Meetings/2018.04.24-PhDOutline.pptx
@@ -6,6 +6,7 @@
   </p:sldMasterIdLst>
   <p:sldIdLst>
     <p:sldId id="256" r:id="rId2"/>
+    <p:sldId id="257" r:id="rId3"/>
   </p:sldIdLst>
   <p:sldSz cx="9144000" cy="6858000" type="screen4x3"/>
   <p:notesSz cx="6858000" cy="9144000"/>
@@ -104,6 +105,22 @@
       </a:defRPr>
     </a:lvl9pPr>
   </p:defaultTextStyle>
+  <p:extLst>
+    <p:ext uri="{EFAFB233-063F-42B5-8137-9DF3F51BA10A}">
+      <p15:sldGuideLst xmlns:p15="http://schemas.microsoft.com/office/powerpoint/2012/main">
+        <p15:guide id="1" orient="horz" pos="2160">
+          <p15:clr>
+            <a:srgbClr val="A4A3A4"/>
+          </p15:clr>
+        </p15:guide>
+        <p15:guide id="2" pos="2880">
+          <p15:clr>
+            <a:srgbClr val="A4A3A4"/>
+          </p15:clr>
+        </p15:guide>
+      </p15:sldGuideLst>
+    </p:ext>
+  </p:extLst>
 </p:presentation>
 </file>
 
@@ -238,7 +255,7 @@
           <a:p>
             <a:fld id="{C4FA8CDB-8DD7-4860-AB92-9053B68FDE61}" type="datetimeFigureOut">
               <a:rPr lang="en-CA" smtClean="0"/>
-              <a:t>18-04-23</a:t>
+              <a:t>24/04/2018</a:t>
             </a:fld>
             <a:endParaRPr lang="en-CA"/>
           </a:p>
@@ -408,7 +425,7 @@
           <a:p>
             <a:fld id="{C4FA8CDB-8DD7-4860-AB92-9053B68FDE61}" type="datetimeFigureOut">
               <a:rPr lang="en-CA" smtClean="0"/>
-              <a:t>18-04-23</a:t>
+              <a:t>24/04/2018</a:t>
             </a:fld>
             <a:endParaRPr lang="en-CA"/>
           </a:p>
@@ -588,7 +605,7 @@
           <a:p>
             <a:fld id="{C4FA8CDB-8DD7-4860-AB92-9053B68FDE61}" type="datetimeFigureOut">
               <a:rPr lang="en-CA" smtClean="0"/>
-              <a:t>18-04-23</a:t>
+              <a:t>24/04/2018</a:t>
             </a:fld>
             <a:endParaRPr lang="en-CA"/>
           </a:p>
@@ -758,7 +775,7 @@
           <a:p>
             <a:fld id="{C4FA8CDB-8DD7-4860-AB92-9053B68FDE61}" type="datetimeFigureOut">
               <a:rPr lang="en-CA" smtClean="0"/>
-              <a:t>18-04-23</a:t>
+              <a:t>24/04/2018</a:t>
             </a:fld>
             <a:endParaRPr lang="en-CA"/>
           </a:p>
@@ -1002,7 +1019,7 @@
           <a:p>
             <a:fld id="{C4FA8CDB-8DD7-4860-AB92-9053B68FDE61}" type="datetimeFigureOut">
               <a:rPr lang="en-CA" smtClean="0"/>
-              <a:t>18-04-23</a:t>
+              <a:t>24/04/2018</a:t>
             </a:fld>
             <a:endParaRPr lang="en-CA"/>
           </a:p>
@@ -1234,7 +1251,7 @@
           <a:p>
             <a:fld id="{C4FA8CDB-8DD7-4860-AB92-9053B68FDE61}" type="datetimeFigureOut">
               <a:rPr lang="en-CA" smtClean="0"/>
-              <a:t>18-04-23</a:t>
+              <a:t>24/04/2018</a:t>
             </a:fld>
             <a:endParaRPr lang="en-CA"/>
           </a:p>
@@ -1601,7 +1618,7 @@
           <a:p>
             <a:fld id="{C4FA8CDB-8DD7-4860-AB92-9053B68FDE61}" type="datetimeFigureOut">
               <a:rPr lang="en-CA" smtClean="0"/>
-              <a:t>18-04-23</a:t>
+              <a:t>24/04/2018</a:t>
             </a:fld>
             <a:endParaRPr lang="en-CA"/>
           </a:p>
@@ -1719,7 +1736,7 @@
           <a:p>
             <a:fld id="{C4FA8CDB-8DD7-4860-AB92-9053B68FDE61}" type="datetimeFigureOut">
               <a:rPr lang="en-CA" smtClean="0"/>
-              <a:t>18-04-23</a:t>
+              <a:t>24/04/2018</a:t>
             </a:fld>
             <a:endParaRPr lang="en-CA"/>
           </a:p>
@@ -1814,7 +1831,7 @@
           <a:p>
             <a:fld id="{C4FA8CDB-8DD7-4860-AB92-9053B68FDE61}" type="datetimeFigureOut">
               <a:rPr lang="en-CA" smtClean="0"/>
-              <a:t>18-04-23</a:t>
+              <a:t>24/04/2018</a:t>
             </a:fld>
             <a:endParaRPr lang="en-CA"/>
           </a:p>
@@ -2091,7 +2108,7 @@
           <a:p>
             <a:fld id="{C4FA8CDB-8DD7-4860-AB92-9053B68FDE61}" type="datetimeFigureOut">
               <a:rPr lang="en-CA" smtClean="0"/>
-              <a:t>18-04-23</a:t>
+              <a:t>24/04/2018</a:t>
             </a:fld>
             <a:endParaRPr lang="en-CA"/>
           </a:p>
@@ -2348,7 +2365,7 @@
           <a:p>
             <a:fld id="{C4FA8CDB-8DD7-4860-AB92-9053B68FDE61}" type="datetimeFigureOut">
               <a:rPr lang="en-CA" smtClean="0"/>
-              <a:t>18-04-23</a:t>
+              <a:t>24/04/2018</a:t>
             </a:fld>
             <a:endParaRPr lang="en-CA"/>
           </a:p>
@@ -2561,7 +2578,7 @@
           <a:p>
             <a:fld id="{C4FA8CDB-8DD7-4860-AB92-9053B68FDE61}" type="datetimeFigureOut">
               <a:rPr lang="en-CA" smtClean="0"/>
-              <a:t>18-04-23</a:t>
+              <a:t>24/04/2018</a:t>
             </a:fld>
             <a:endParaRPr lang="en-CA"/>
           </a:p>
@@ -2981,10 +2998,13 @@
             <a:avLst/>
           </a:prstGeom>
           <a:solidFill>
-            <a:schemeClr val="accent1">
-              <a:lumMod val="75000"/>
+            <a:schemeClr val="bg2">
+              <a:lumMod val="90000"/>
             </a:schemeClr>
           </a:solidFill>
+          <a:ln>
+            <a:noFill/>
+          </a:ln>
         </p:spPr>
         <p:style>
           <a:lnRef idx="2">
@@ -3008,14 +3028,22 @@
           <a:p>
             <a:pPr algn="ctr"/>
             <a:r>
-              <a:rPr lang="en-CA" sz="1200" b="1" dirty="0" smtClean="0"/>
+              <a:rPr lang="en-CA" sz="1200" b="1" dirty="0" smtClean="0">
+                <a:solidFill>
+                  <a:schemeClr val="tx1"/>
+                </a:solidFill>
+              </a:rPr>
               <a:t>Young Adults</a:t>
             </a:r>
           </a:p>
           <a:p>
             <a:pPr algn="ctr"/>
             <a:r>
-              <a:rPr lang="en-CA" sz="1200" b="1" dirty="0" smtClean="0"/>
+              <a:rPr lang="en-CA" sz="1200" b="1" dirty="0" smtClean="0">
+                <a:solidFill>
+                  <a:schemeClr val="tx1"/>
+                </a:solidFill>
+              </a:rPr>
               <a:t>Marker of music familiarity</a:t>
             </a:r>
           </a:p>
@@ -3025,7 +3053,11 @@
               <a:buChar char="•"/>
             </a:pPr>
             <a:r>
-              <a:rPr lang="en-CA" sz="1200" dirty="0" smtClean="0"/>
+              <a:rPr lang="en-CA" sz="1200" dirty="0" smtClean="0">
+                <a:solidFill>
+                  <a:schemeClr val="tx1"/>
+                </a:solidFill>
+              </a:rPr>
               <a:t>BOLD fMRI data</a:t>
             </a:r>
           </a:p>
@@ -3035,7 +3067,11 @@
               <a:buChar char="•"/>
             </a:pPr>
             <a:r>
-              <a:rPr lang="en-CA" sz="1200" dirty="0" smtClean="0"/>
+              <a:rPr lang="en-CA" sz="1200" dirty="0" smtClean="0">
+                <a:solidFill>
+                  <a:schemeClr val="tx1"/>
+                </a:solidFill>
+              </a:rPr>
               <a:t>Tightly controlled familiarity</a:t>
             </a:r>
           </a:p>
@@ -3045,10 +3081,18 @@
               <a:buChar char="•"/>
             </a:pPr>
             <a:r>
-              <a:rPr lang="en-CA" sz="1200" dirty="0" smtClean="0"/>
+              <a:rPr lang="en-CA" sz="1200" dirty="0" smtClean="0">
+                <a:solidFill>
+                  <a:schemeClr val="tx1"/>
+                </a:solidFill>
+              </a:rPr>
               <a:t>How lyrics/language interact with familiarity</a:t>
             </a:r>
-            <a:endParaRPr lang="en-CA" sz="1200" dirty="0"/>
+            <a:endParaRPr lang="en-CA" sz="1200" dirty="0">
+              <a:solidFill>
+                <a:schemeClr val="tx1"/>
+              </a:solidFill>
+            </a:endParaRPr>
           </a:p>
         </p:txBody>
       </p:sp>
@@ -3067,10 +3111,13 @@
             <a:avLst/>
           </a:prstGeom>
           <a:solidFill>
-            <a:schemeClr val="accent1">
-              <a:lumMod val="50000"/>
+            <a:schemeClr val="bg2">
+              <a:lumMod val="75000"/>
             </a:schemeClr>
           </a:solidFill>
+          <a:ln>
+            <a:noFill/>
+          </a:ln>
         </p:spPr>
         <p:style>
           <a:lnRef idx="2">
@@ -3094,16 +3141,37 @@
           <a:p>
             <a:pPr algn="ctr"/>
             <a:r>
-              <a:rPr lang="en-CA" sz="1200" b="1" dirty="0" smtClean="0"/>
+              <a:rPr lang="en-CA" sz="1200" b="1" dirty="0" smtClean="0">
+                <a:solidFill>
+                  <a:schemeClr val="tx1"/>
+                </a:solidFill>
+              </a:rPr>
               <a:t>Older Adults (healthy)</a:t>
             </a:r>
           </a:p>
           <a:p>
             <a:pPr algn="ctr"/>
             <a:r>
-              <a:rPr lang="en-CA" sz="1200" b="1" dirty="0" smtClean="0"/>
-              <a:t>How does the marker of music familiarity change?</a:t>
-            </a:r>
+              <a:rPr lang="en-CA" sz="1200" b="1" dirty="0" smtClean="0">
+                <a:solidFill>
+                  <a:schemeClr val="tx1"/>
+                </a:solidFill>
+              </a:rPr>
+              <a:t>How does the marker of music familiarity </a:t>
+            </a:r>
+            <a:r>
+              <a:rPr lang="en-CA" sz="1200" b="1" dirty="0" smtClean="0">
+                <a:solidFill>
+                  <a:schemeClr val="tx1"/>
+                </a:solidFill>
+              </a:rPr>
+              <a:t>change with age?</a:t>
+            </a:r>
+            <a:endParaRPr lang="en-CA" sz="1200" b="1" dirty="0" smtClean="0">
+              <a:solidFill>
+                <a:schemeClr val="tx1"/>
+              </a:solidFill>
+            </a:endParaRPr>
           </a:p>
           <a:p>
             <a:pPr marL="171450" indent="-171450">
@@ -3111,7 +3179,11 @@
               <a:buChar char="•"/>
             </a:pPr>
             <a:r>
-              <a:rPr lang="en-CA" sz="1200" dirty="0" smtClean="0"/>
+              <a:rPr lang="en-CA" sz="1200" dirty="0" smtClean="0">
+                <a:solidFill>
+                  <a:schemeClr val="tx1"/>
+                </a:solidFill>
+              </a:rPr>
               <a:t>Run music training paradigm</a:t>
             </a:r>
           </a:p>
@@ -3121,7 +3193,11 @@
               <a:buChar char="•"/>
             </a:pPr>
             <a:r>
-              <a:rPr lang="en-CA" sz="1200" dirty="0" smtClean="0"/>
+              <a:rPr lang="en-CA" sz="1200" dirty="0" smtClean="0">
+                <a:solidFill>
+                  <a:schemeClr val="tx1"/>
+                </a:solidFill>
+              </a:rPr>
               <a:t>BOLD fMRI data</a:t>
             </a:r>
           </a:p>
@@ -3131,24 +3207,24 @@
               <a:buChar char="•"/>
             </a:pPr>
             <a:r>
-              <a:rPr lang="en-CA" sz="1200" dirty="0" smtClean="0"/>
-              <a:t>Related to </a:t>
-            </a:r>
-            <a:r>
               <a:rPr lang="en-CA" sz="1200" dirty="0" smtClean="0">
                 <a:solidFill>
-                  <a:schemeClr val="accent4">
-                    <a:lumMod val="75000"/>
-                  </a:schemeClr>
+                  <a:srgbClr val="C00000"/>
                 </a:solidFill>
               </a:rPr>
-              <a:t>CBS scores</a:t>
+              <a:t>CBS </a:t>
+            </a:r>
+            <a:r>
+              <a:rPr lang="en-CA" sz="1200" dirty="0" smtClean="0">
+                <a:solidFill>
+                  <a:srgbClr val="C00000"/>
+                </a:solidFill>
+              </a:rPr>
+              <a:t>scores</a:t>
             </a:r>
             <a:endParaRPr lang="en-CA" sz="1200" dirty="0">
               <a:solidFill>
-                <a:schemeClr val="accent4">
-                  <a:lumMod val="75000"/>
-                </a:schemeClr>
+                <a:srgbClr val="C00000"/>
               </a:solidFill>
             </a:endParaRPr>
           </a:p>
@@ -3169,10 +3245,13 @@
             <a:avLst/>
           </a:prstGeom>
           <a:solidFill>
-            <a:schemeClr val="accent1">
-              <a:lumMod val="75000"/>
+            <a:schemeClr val="bg2">
+              <a:lumMod val="90000"/>
             </a:schemeClr>
           </a:solidFill>
+          <a:ln>
+            <a:noFill/>
+          </a:ln>
         </p:spPr>
         <p:style>
           <a:lnRef idx="2">
@@ -3196,14 +3275,22 @@
           <a:p>
             <a:pPr algn="ctr"/>
             <a:r>
-              <a:rPr lang="en-CA" sz="1200" b="1" dirty="0" smtClean="0"/>
+              <a:rPr lang="en-CA" sz="1200" b="1" dirty="0" smtClean="0">
+                <a:solidFill>
+                  <a:schemeClr val="tx1"/>
+                </a:solidFill>
+              </a:rPr>
               <a:t>Young Adults</a:t>
             </a:r>
           </a:p>
           <a:p>
             <a:pPr algn="ctr"/>
             <a:r>
-              <a:rPr lang="en-CA" sz="1200" b="1" dirty="0" smtClean="0"/>
+              <a:rPr lang="en-CA" sz="1200" b="1" dirty="0" smtClean="0">
+                <a:solidFill>
+                  <a:schemeClr val="tx1"/>
+                </a:solidFill>
+              </a:rPr>
               <a:t>Music synchrony</a:t>
             </a:r>
           </a:p>
@@ -3213,7 +3300,11 @@
               <a:buChar char="•"/>
             </a:pPr>
             <a:r>
-              <a:rPr lang="en-CA" sz="1200" dirty="0" smtClean="0"/>
+              <a:rPr lang="en-CA" sz="1200" dirty="0" smtClean="0">
+                <a:solidFill>
+                  <a:schemeClr val="tx1"/>
+                </a:solidFill>
+              </a:rPr>
               <a:t>What does it look like when young adults synchronize to familiar/unfamiliar music?</a:t>
             </a:r>
           </a:p>
@@ -3223,10 +3314,18 @@
               <a:buChar char="•"/>
             </a:pPr>
             <a:r>
-              <a:rPr lang="en-CA" sz="1200" dirty="0" smtClean="0"/>
+              <a:rPr lang="en-CA" sz="1200" dirty="0" smtClean="0">
+                <a:solidFill>
+                  <a:schemeClr val="tx1"/>
+                </a:solidFill>
+              </a:rPr>
               <a:t>Related to behaviour – what does this tell us about how they perceived the music</a:t>
             </a:r>
-            <a:endParaRPr lang="en-CA" sz="1200" dirty="0"/>
+            <a:endParaRPr lang="en-CA" sz="1200" dirty="0">
+              <a:solidFill>
+                <a:schemeClr val="tx1"/>
+              </a:solidFill>
+            </a:endParaRPr>
           </a:p>
         </p:txBody>
       </p:sp>
@@ -3238,17 +3337,20 @@
         </p:nvSpPr>
         <p:spPr>
           <a:xfrm>
-            <a:off x="3782838" y="2009870"/>
+            <a:off x="3782838" y="2000817"/>
             <a:ext cx="3016313" cy="1756372"/>
           </a:xfrm>
           <a:prstGeom prst="rect">
             <a:avLst/>
           </a:prstGeom>
           <a:solidFill>
-            <a:schemeClr val="accent1">
-              <a:lumMod val="50000"/>
+            <a:schemeClr val="bg2">
+              <a:lumMod val="75000"/>
             </a:schemeClr>
           </a:solidFill>
+          <a:ln>
+            <a:noFill/>
+          </a:ln>
         </p:spPr>
         <p:style>
           <a:lnRef idx="2">
@@ -3272,14 +3374,22 @@
           <a:p>
             <a:pPr algn="ctr"/>
             <a:r>
-              <a:rPr lang="en-CA" sz="1200" b="1" dirty="0" smtClean="0"/>
+              <a:rPr lang="en-CA" sz="1200" b="1" dirty="0" smtClean="0">
+                <a:solidFill>
+                  <a:schemeClr val="tx1"/>
+                </a:solidFill>
+              </a:rPr>
               <a:t>Older Adults (healthy)</a:t>
             </a:r>
           </a:p>
           <a:p>
             <a:pPr algn="ctr"/>
             <a:r>
-              <a:rPr lang="en-CA" sz="1200" b="1" dirty="0" smtClean="0"/>
+              <a:rPr lang="en-CA" sz="1200" b="1" dirty="0" smtClean="0">
+                <a:solidFill>
+                  <a:schemeClr val="tx1"/>
+                </a:solidFill>
+              </a:rPr>
               <a:t>Music synchrony</a:t>
             </a:r>
           </a:p>
@@ -3289,7 +3399,11 @@
               <a:buChar char="•"/>
             </a:pPr>
             <a:r>
-              <a:rPr lang="en-CA" sz="1200" dirty="0" smtClean="0"/>
+              <a:rPr lang="en-CA" sz="1200" dirty="0" smtClean="0">
+                <a:solidFill>
+                  <a:schemeClr val="tx1"/>
+                </a:solidFill>
+              </a:rPr>
               <a:t>What does it look like when older adults synchronize to familiar/unfamiliar music?</a:t>
             </a:r>
           </a:p>
@@ -3299,7 +3413,11 @@
               <a:buChar char="•"/>
             </a:pPr>
             <a:r>
-              <a:rPr lang="en-CA" sz="1200" dirty="0" smtClean="0"/>
+              <a:rPr lang="en-CA" sz="1200" dirty="0" smtClean="0">
+                <a:solidFill>
+                  <a:schemeClr val="tx1"/>
+                </a:solidFill>
+              </a:rPr>
               <a:t>Synchrony to long known stim as comparison</a:t>
             </a:r>
           </a:p>
@@ -3309,7 +3427,11 @@
               <a:buChar char="•"/>
             </a:pPr>
             <a:r>
-              <a:rPr lang="en-CA" sz="1200" dirty="0" smtClean="0"/>
+              <a:rPr lang="en-CA" sz="1200" dirty="0" smtClean="0">
+                <a:solidFill>
+                  <a:schemeClr val="tx1"/>
+                </a:solidFill>
+              </a:rPr>
               <a:t>Related to behaviour – what does this tell us about how they perceived the music?</a:t>
             </a:r>
           </a:p>
@@ -3319,18 +3441,20 @@
               <a:buChar char="•"/>
             </a:pPr>
             <a:r>
-              <a:rPr lang="en-CA" sz="1200" dirty="0" smtClean="0"/>
-              <a:t>Related to </a:t>
-            </a:r>
-            <a:r>
               <a:rPr lang="en-CA" sz="1200" dirty="0" smtClean="0">
                 <a:solidFill>
-                  <a:schemeClr val="accent4">
-                    <a:lumMod val="75000"/>
-                  </a:schemeClr>
+                  <a:srgbClr val="C00000"/>
                 </a:solidFill>
               </a:rPr>
-              <a:t>CBS scores</a:t>
+              <a:t>CBS </a:t>
+            </a:r>
+            <a:r>
+              <a:rPr lang="en-CA" sz="1200" dirty="0" smtClean="0">
+                <a:solidFill>
+                  <a:srgbClr val="C00000"/>
+                </a:solidFill>
+              </a:rPr>
+              <a:t>scores</a:t>
             </a:r>
           </a:p>
         </p:txBody>
@@ -3343,14 +3467,155 @@
         </p:nvSpPr>
         <p:spPr>
           <a:xfrm>
-            <a:off x="615635" y="3978998"/>
-            <a:ext cx="3016313" cy="1756372"/>
+            <a:off x="6864718" y="2009870"/>
+            <a:ext cx="2098214" cy="1756372"/>
           </a:xfrm>
           <a:prstGeom prst="rect">
             <a:avLst/>
           </a:prstGeom>
           <a:solidFill>
+            <a:schemeClr val="bg2">
+              <a:lumMod val="75000"/>
+            </a:schemeClr>
+          </a:solidFill>
+          <a:ln>
+            <a:noFill/>
+          </a:ln>
+        </p:spPr>
+        <p:style>
+          <a:lnRef idx="2">
             <a:schemeClr val="accent1">
+              <a:shade val="50000"/>
+            </a:schemeClr>
+          </a:lnRef>
+          <a:fillRef idx="1">
+            <a:schemeClr val="accent1"/>
+          </a:fillRef>
+          <a:effectRef idx="0">
+            <a:schemeClr val="accent1"/>
+          </a:effectRef>
+          <a:fontRef idx="minor">
+            <a:schemeClr val="lt1"/>
+          </a:fontRef>
+        </p:style>
+        <p:txBody>
+          <a:bodyPr rtlCol="0" anchor="ctr"/>
+          <a:lstStyle/>
+          <a:p>
+            <a:pPr algn="ctr"/>
+            <a:r>
+              <a:rPr lang="en-CA" sz="1200" b="1" dirty="0" smtClean="0">
+                <a:solidFill>
+                  <a:schemeClr val="tx1"/>
+                </a:solidFill>
+              </a:rPr>
+              <a:t>Older Adults</a:t>
+            </a:r>
+          </a:p>
+          <a:p>
+            <a:pPr algn="ctr"/>
+            <a:r>
+              <a:rPr lang="en-CA" sz="1200" b="1" dirty="0" smtClean="0">
+                <a:solidFill>
+                  <a:schemeClr val="tx1"/>
+                </a:solidFill>
+              </a:rPr>
+              <a:t>How does cognition change as we age?</a:t>
+            </a:r>
+            <a:endParaRPr lang="en-CA" sz="1200" dirty="0" smtClean="0">
+              <a:solidFill>
+                <a:schemeClr val="tx1"/>
+              </a:solidFill>
+            </a:endParaRPr>
+          </a:p>
+          <a:p>
+            <a:pPr marL="171450" indent="-171450">
+              <a:buFont typeface="Arial" panose="020B0604020202020204" pitchFamily="34" charset="0"/>
+              <a:buChar char="•"/>
+            </a:pPr>
+            <a:r>
+              <a:rPr lang="en-CA" sz="1200" dirty="0" smtClean="0">
+                <a:solidFill>
+                  <a:srgbClr val="C00000"/>
+                </a:solidFill>
+              </a:rPr>
+              <a:t>CBS</a:t>
+            </a:r>
+            <a:r>
+              <a:rPr lang="en-CA" sz="1200" dirty="0" smtClean="0">
+                <a:solidFill>
+                  <a:schemeClr val="tx1"/>
+                </a:solidFill>
+              </a:rPr>
+              <a:t>, </a:t>
+            </a:r>
+            <a:r>
+              <a:rPr lang="en-CA" sz="1200" dirty="0" err="1" smtClean="0">
+                <a:solidFill>
+                  <a:schemeClr val="tx1"/>
+                </a:solidFill>
+              </a:rPr>
+              <a:t>MoCA</a:t>
+            </a:r>
+            <a:endParaRPr lang="en-CA" sz="1200" dirty="0" smtClean="0">
+              <a:solidFill>
+                <a:schemeClr val="tx1"/>
+              </a:solidFill>
+            </a:endParaRPr>
+          </a:p>
+          <a:p>
+            <a:pPr marL="171450" indent="-171450">
+              <a:buFont typeface="Arial" panose="020B0604020202020204" pitchFamily="34" charset="0"/>
+              <a:buChar char="•"/>
+            </a:pPr>
+            <a:r>
+              <a:rPr lang="en-CA" sz="1200" dirty="0" smtClean="0">
+                <a:solidFill>
+                  <a:schemeClr val="tx1"/>
+                </a:solidFill>
+              </a:rPr>
+              <a:t>CBS </a:t>
+            </a:r>
+            <a:r>
+              <a:rPr lang="en-CA" sz="1200" dirty="0" smtClean="0">
+                <a:solidFill>
+                  <a:schemeClr val="tx1"/>
+                </a:solidFill>
+              </a:rPr>
+              <a:t>as a fine-grained way to measure </a:t>
+            </a:r>
+            <a:r>
+              <a:rPr lang="en-CA" sz="1200" dirty="0" smtClean="0">
+                <a:solidFill>
+                  <a:schemeClr val="tx1"/>
+                </a:solidFill>
+              </a:rPr>
+              <a:t>cognition</a:t>
+            </a:r>
+            <a:endParaRPr lang="en-CA" sz="1200" dirty="0" smtClean="0">
+              <a:solidFill>
+                <a:schemeClr val="tx1"/>
+              </a:solidFill>
+            </a:endParaRPr>
+          </a:p>
+        </p:txBody>
+      </p:sp>
+      <p:sp>
+        <p:nvSpPr>
+          <p:cNvPr id="12" name="Rectangle 11"/>
+          <p:cNvSpPr/>
+          <p:nvPr/>
+        </p:nvSpPr>
+        <p:spPr>
+          <a:xfrm>
+            <a:off x="615634" y="3752787"/>
+            <a:ext cx="3016313" cy="1778879"/>
+          </a:xfrm>
+          <a:prstGeom prst="rect">
+            <a:avLst/>
+          </a:prstGeom>
+          <a:solidFill>
+            <a:schemeClr val="bg2">
               <a:lumMod val="50000"/>
             </a:schemeClr>
           </a:solidFill>
@@ -3380,17 +3645,37 @@
           <a:p>
             <a:pPr algn="ctr"/>
             <a:r>
-              <a:rPr lang="en-CA" sz="1200" b="1" dirty="0" smtClean="0"/>
-              <a:t>Older Adults</a:t>
-            </a:r>
+              <a:rPr lang="en-CA" sz="1200" b="1" dirty="0" smtClean="0">
+                <a:solidFill>
+                  <a:schemeClr val="tx1"/>
+                </a:solidFill>
+              </a:rPr>
+              <a:t>Early AD or </a:t>
+            </a:r>
+            <a:r>
+              <a:rPr lang="en-CA" sz="1200" b="1" dirty="0" smtClean="0">
+                <a:solidFill>
+                  <a:schemeClr val="tx1"/>
+                </a:solidFill>
+              </a:rPr>
+              <a:t>dementia</a:t>
+            </a:r>
+            <a:endParaRPr lang="en-CA" sz="1200" b="1" dirty="0" smtClean="0">
+              <a:solidFill>
+                <a:schemeClr val="tx1"/>
+              </a:solidFill>
+            </a:endParaRPr>
           </a:p>
           <a:p>
             <a:pPr algn="ctr"/>
             <a:r>
-              <a:rPr lang="en-CA" sz="1200" b="1" dirty="0" smtClean="0"/>
-              <a:t>How does cognition change as we age?</a:t>
-            </a:r>
-            <a:endParaRPr lang="en-CA" sz="1200" dirty="0" smtClean="0"/>
+              <a:rPr lang="en-CA" sz="1200" b="1" dirty="0">
+                <a:solidFill>
+                  <a:schemeClr val="tx1"/>
+                </a:solidFill>
+              </a:rPr>
+              <a:t>How does the marker of music familiarity change with age?</a:t>
+            </a:r>
           </a:p>
           <a:p>
             <a:pPr marL="171450" indent="-171450">
@@ -3400,25 +3685,16 @@
             <a:r>
               <a:rPr lang="en-CA" sz="1200" dirty="0" smtClean="0">
                 <a:solidFill>
-                  <a:schemeClr val="accent4">
-                    <a:lumMod val="75000"/>
-                  </a:schemeClr>
+                  <a:schemeClr val="tx1"/>
                 </a:solidFill>
               </a:rPr>
-              <a:t>CBS</a:t>
-            </a:r>
-            <a:r>
-              <a:rPr lang="en-CA" sz="1200" dirty="0" smtClean="0"/>
-              <a:t>, </a:t>
-            </a:r>
-            <a:r>
-              <a:rPr lang="en-CA" sz="1200" dirty="0" err="1" smtClean="0"/>
-              <a:t>MoCA</a:t>
-            </a:r>
-            <a:r>
-              <a:rPr lang="en-CA" sz="1200" dirty="0" smtClean="0"/>
-              <a:t>, MMSE</a:t>
-            </a:r>
+              <a:t>fMRI</a:t>
+            </a:r>
+            <a:endParaRPr lang="en-CA" sz="1200" dirty="0" smtClean="0">
+              <a:solidFill>
+                <a:schemeClr val="tx1"/>
+              </a:solidFill>
+            </a:endParaRPr>
           </a:p>
           <a:p>
             <a:pPr marL="171450" indent="-171450">
@@ -3426,9 +3702,26 @@
               <a:buChar char="•"/>
             </a:pPr>
             <a:r>
-              <a:rPr lang="en-CA" sz="1200" dirty="0" smtClean="0"/>
-              <a:t>CBS as a fine-grained way to measure cognition</a:t>
-            </a:r>
+              <a:rPr lang="en-CA" sz="1200" dirty="0" smtClean="0">
+                <a:solidFill>
+                  <a:schemeClr val="tx1"/>
+                </a:solidFill>
+              </a:rPr>
+              <a:t>Long known stim </a:t>
+            </a:r>
+            <a:r>
+              <a:rPr lang="en-CA" sz="1200" dirty="0" smtClean="0">
+                <a:solidFill>
+                  <a:schemeClr val="tx1"/>
+                </a:solidFill>
+              </a:rPr>
+              <a:t>only</a:t>
+            </a:r>
+            <a:endParaRPr lang="en-CA" sz="1200" dirty="0" smtClean="0">
+              <a:solidFill>
+                <a:schemeClr val="tx1"/>
+              </a:solidFill>
+            </a:endParaRPr>
           </a:p>
           <a:p>
             <a:pPr marL="171450" indent="-171450">
@@ -3436,199 +3729,18 @@
               <a:buChar char="•"/>
             </a:pPr>
             <a:r>
-              <a:rPr lang="en-CA" sz="1200" dirty="0" smtClean="0"/>
-              <a:t>Validating why we should use CBS in the other older adult experiments</a:t>
-            </a:r>
-            <a:endParaRPr lang="en-CA" sz="1200" dirty="0"/>
-          </a:p>
-        </p:txBody>
-      </p:sp>
-      <p:sp>
-        <p:nvSpPr>
-          <p:cNvPr id="11" name="Rectangle 10"/>
-          <p:cNvSpPr/>
-          <p:nvPr/>
-        </p:nvSpPr>
-        <p:spPr>
-          <a:xfrm>
-            <a:off x="3631948" y="3978998"/>
-            <a:ext cx="3016313" cy="1756372"/>
-          </a:xfrm>
-          <a:prstGeom prst="rect">
-            <a:avLst/>
-          </a:prstGeom>
-          <a:solidFill>
-            <a:schemeClr val="accent1">
-              <a:lumMod val="50000"/>
-            </a:schemeClr>
-          </a:solidFill>
-          <a:ln>
-            <a:noFill/>
-          </a:ln>
-        </p:spPr>
-        <p:style>
-          <a:lnRef idx="2">
-            <a:schemeClr val="accent1">
-              <a:shade val="50000"/>
-            </a:schemeClr>
-          </a:lnRef>
-          <a:fillRef idx="1">
-            <a:schemeClr val="accent1"/>
-          </a:fillRef>
-          <a:effectRef idx="0">
-            <a:schemeClr val="accent1"/>
-          </a:effectRef>
-          <a:fontRef idx="minor">
-            <a:schemeClr val="lt1"/>
-          </a:fontRef>
-        </p:style>
-        <p:txBody>
-          <a:bodyPr rtlCol="0" anchor="ctr"/>
-          <a:lstStyle/>
-          <a:p>
-            <a:pPr algn="ctr"/>
-            <a:r>
-              <a:rPr lang="en-CA" sz="1200" b="1" dirty="0" smtClean="0"/>
-              <a:t>Older Adults</a:t>
-            </a:r>
-          </a:p>
-          <a:p>
-            <a:pPr algn="ctr"/>
-            <a:r>
-              <a:rPr lang="en-CA" sz="1200" b="1" dirty="0" smtClean="0"/>
-              <a:t>How can we measure what it’s like to be a healthy or declining adult?</a:t>
-            </a:r>
-          </a:p>
-          <a:p>
-            <a:pPr algn="ctr"/>
-            <a:endParaRPr lang="en-CA" sz="1200" dirty="0" smtClean="0"/>
-          </a:p>
-          <a:p>
-            <a:pPr marL="171450" indent="-171450">
-              <a:buFont typeface="Arial" panose="020B0604020202020204" pitchFamily="34" charset="0"/>
-              <a:buChar char="•"/>
-            </a:pPr>
-            <a:r>
-              <a:rPr lang="en-CA" sz="1200" dirty="0" smtClean="0"/>
-              <a:t>Data mining the RUSH data </a:t>
-            </a:r>
-            <a:r>
-              <a:rPr lang="mr-IN" sz="1200" dirty="0" smtClean="0"/>
-              <a:t>–</a:t>
-            </a:r>
-            <a:r>
-              <a:rPr lang="en-CA" sz="1200" dirty="0" smtClean="0"/>
-              <a:t> </a:t>
-            </a:r>
-            <a:r>
-              <a:rPr lang="en-CA" sz="1200" dirty="0" err="1" smtClean="0"/>
-              <a:t>Hachinski</a:t>
-            </a:r>
-            <a:endParaRPr lang="en-CA" sz="1200" dirty="0" smtClean="0"/>
-          </a:p>
-          <a:p>
-            <a:pPr marL="171450" indent="-171450">
-              <a:buFont typeface="Arial" panose="020B0604020202020204" pitchFamily="34" charset="0"/>
-              <a:buChar char="•"/>
-            </a:pPr>
-            <a:endParaRPr lang="en-CA" sz="1200" dirty="0"/>
-          </a:p>
-        </p:txBody>
-      </p:sp>
-      <p:sp>
-        <p:nvSpPr>
-          <p:cNvPr id="12" name="Rectangle 11"/>
-          <p:cNvSpPr/>
-          <p:nvPr/>
-        </p:nvSpPr>
-        <p:spPr>
-          <a:xfrm>
-            <a:off x="6799150" y="2009870"/>
-            <a:ext cx="2083808" cy="1756372"/>
-          </a:xfrm>
-          <a:prstGeom prst="rect">
-            <a:avLst/>
-          </a:prstGeom>
-          <a:solidFill>
-            <a:schemeClr val="accent1">
-              <a:lumMod val="50000"/>
-            </a:schemeClr>
-          </a:solidFill>
-        </p:spPr>
-        <p:style>
-          <a:lnRef idx="2">
-            <a:schemeClr val="accent1">
-              <a:shade val="50000"/>
-            </a:schemeClr>
-          </a:lnRef>
-          <a:fillRef idx="1">
-            <a:schemeClr val="accent1"/>
-          </a:fillRef>
-          <a:effectRef idx="0">
-            <a:schemeClr val="accent1"/>
-          </a:effectRef>
-          <a:fontRef idx="minor">
-            <a:schemeClr val="lt1"/>
-          </a:fontRef>
-        </p:style>
-        <p:txBody>
-          <a:bodyPr rtlCol="0" anchor="ctr"/>
-          <a:lstStyle/>
-          <a:p>
-            <a:pPr algn="ctr"/>
-            <a:r>
-              <a:rPr lang="en-CA" sz="1200" b="1" dirty="0" smtClean="0"/>
-              <a:t>Early AD or dementia?</a:t>
-            </a:r>
-          </a:p>
-          <a:p>
-            <a:pPr algn="ctr"/>
-            <a:r>
-              <a:rPr lang="en-CA" sz="1200" b="1" dirty="0" smtClean="0"/>
-              <a:t>Music synchrony</a:t>
-            </a:r>
-          </a:p>
-          <a:p>
-            <a:pPr marL="171450" indent="-171450">
-              <a:buFont typeface="Arial" panose="020B0604020202020204" pitchFamily="34" charset="0"/>
-              <a:buChar char="•"/>
-            </a:pPr>
-            <a:r>
-              <a:rPr lang="en-CA" sz="1200" dirty="0" smtClean="0"/>
-              <a:t>fMRI</a:t>
-            </a:r>
-          </a:p>
-          <a:p>
-            <a:pPr marL="171450" indent="-171450">
-              <a:buFont typeface="Arial" panose="020B0604020202020204" pitchFamily="34" charset="0"/>
-              <a:buChar char="•"/>
-            </a:pPr>
-            <a:r>
-              <a:rPr lang="en-CA" sz="1200" dirty="0" smtClean="0"/>
-              <a:t>Long known stim only</a:t>
-            </a:r>
-          </a:p>
-          <a:p>
-            <a:r>
-              <a:rPr lang="en-CA" sz="1200" dirty="0" smtClean="0"/>
-              <a:t>(using other older adult study as a bridge between training  paradigm and long known stim)</a:t>
-            </a:r>
-          </a:p>
-          <a:p>
-            <a:pPr marL="171450" indent="-171450">
-              <a:buFont typeface="Arial" panose="020B0604020202020204" pitchFamily="34" charset="0"/>
-              <a:buChar char="•"/>
-            </a:pPr>
-            <a:r>
               <a:rPr lang="en-CA" sz="1200" dirty="0" smtClean="0">
                 <a:solidFill>
-                  <a:schemeClr val="accent4">
-                    <a:lumMod val="75000"/>
-                  </a:schemeClr>
+                  <a:srgbClr val="C00000"/>
                 </a:solidFill>
               </a:rPr>
               <a:t>CBS scores</a:t>
             </a:r>
+            <a:endParaRPr lang="en-CA" sz="1200" dirty="0" smtClean="0">
+              <a:solidFill>
+                <a:srgbClr val="C00000"/>
+              </a:solidFill>
+            </a:endParaRPr>
           </a:p>
         </p:txBody>
       </p:sp>
@@ -3664,7 +3776,7 @@
           <a:noFill/>
           <a:extLst>
             <a:ext uri="{909E8E84-426E-40dd-AFC4-6F175D3DCCD1}">
-              <a14:hiddenFill xmlns:a14="http://schemas.microsoft.com/office/drawing/2010/main">
+              <a14:hiddenFill xmlns:a14="http://schemas.microsoft.com/office/drawing/2010/main" xmlns="">
                 <a:solidFill>
                   <a:srgbClr val="FFFFFF"/>
                 </a:solidFill>
@@ -3705,48 +3817,7 @@
           <a:noFill/>
           <a:extLst>
             <a:ext uri="{909E8E84-426E-40dd-AFC4-6F175D3DCCD1}">
-              <a14:hiddenFill xmlns:a14="http://schemas.microsoft.com/office/drawing/2010/main">
-                <a:solidFill>
-                  <a:srgbClr val="FFFFFF"/>
-                </a:solidFill>
-              </a14:hiddenFill>
-            </a:ext>
-          </a:extLst>
-        </p:spPr>
-      </p:pic>
-      <p:pic>
-        <p:nvPicPr>
-          <p:cNvPr id="15" name="Picture 2" descr="Image result for green checkmark"/>
-          <p:cNvPicPr>
-            <a:picLocks noChangeAspect="1" noChangeArrowheads="1"/>
-          </p:cNvPicPr>
-          <p:nvPr/>
-        </p:nvPicPr>
-        <p:blipFill>
-          <a:blip r:embed="rId2" cstate="print">
-            <a:extLst>
-              <a:ext uri="{28A0092B-C50C-407E-A947-70E740481C1C}">
-                <a14:useLocalDpi xmlns:a14="http://schemas.microsoft.com/office/drawing/2010/main" val="0"/>
-              </a:ext>
-            </a:extLst>
-          </a:blip>
-          <a:srcRect/>
-          <a:stretch>
-            <a:fillRect/>
-          </a:stretch>
-        </p:blipFill>
-        <p:spPr bwMode="auto">
-          <a:xfrm>
-            <a:off x="3303417" y="5308350"/>
-            <a:ext cx="269317" cy="280657"/>
-          </a:xfrm>
-          <a:prstGeom prst="rect">
-            <a:avLst/>
-          </a:prstGeom>
-          <a:noFill/>
-          <a:extLst>
-            <a:ext uri="{909E8E84-426E-40dd-AFC4-6F175D3DCCD1}">
-              <a14:hiddenFill xmlns:a14="http://schemas.microsoft.com/office/drawing/2010/main">
+              <a14:hiddenFill xmlns:a14="http://schemas.microsoft.com/office/drawing/2010/main" xmlns="">
                 <a:solidFill>
                   <a:srgbClr val="FFFFFF"/>
                 </a:solidFill>
@@ -3771,7 +3842,7 @@
           </a:prstGeom>
           <a:ln w="44450">
             <a:solidFill>
-              <a:srgbClr val="FFC000"/>
+              <a:srgbClr val="7030A0"/>
             </a:solidFill>
             <a:tailEnd type="triangle"/>
           </a:ln>
@@ -3808,7 +3879,7 @@
           </a:prstGeom>
           <a:ln w="44450">
             <a:solidFill>
-              <a:srgbClr val="FFC000"/>
+              <a:srgbClr val="7030A0"/>
             </a:solidFill>
             <a:tailEnd type="triangle"/>
           </a:ln>
@@ -3845,44 +3916,7 @@
           </a:prstGeom>
           <a:ln w="44450">
             <a:solidFill>
-              <a:srgbClr val="FFC000"/>
-            </a:solidFill>
-            <a:tailEnd type="triangle"/>
-          </a:ln>
-          <a:effectLst/>
-        </p:spPr>
-        <p:style>
-          <a:lnRef idx="1">
-            <a:schemeClr val="accent1"/>
-          </a:lnRef>
-          <a:fillRef idx="0">
-            <a:schemeClr val="accent1"/>
-          </a:fillRef>
-          <a:effectRef idx="0">
-            <a:schemeClr val="accent1"/>
-          </a:effectRef>
-          <a:fontRef idx="minor">
-            <a:schemeClr val="tx1"/>
-          </a:fontRef>
-        </p:style>
-      </p:cxnSp>
-      <p:cxnSp>
-        <p:nvCxnSpPr>
-          <p:cNvPr id="23" name="Straight Arrow Connector 22"/>
-          <p:cNvCxnSpPr/>
-          <p:nvPr/>
-        </p:nvCxnSpPr>
-        <p:spPr>
-          <a:xfrm flipV="1">
-            <a:off x="3467300" y="4173011"/>
-            <a:ext cx="400452" cy="1399"/>
-          </a:xfrm>
-          <a:prstGeom prst="straightConnector1">
-            <a:avLst/>
-          </a:prstGeom>
-          <a:ln w="44450">
-            <a:solidFill>
-              <a:srgbClr val="FFC000"/>
+              <a:srgbClr val="7030A0"/>
             </a:solidFill>
             <a:tailEnd type="triangle"/>
           </a:ln>
@@ -3935,7 +3969,7 @@
           <a:noFill/>
           <a:extLst>
             <a:ext uri="{909E8E84-426E-40dd-AFC4-6F175D3DCCD1}">
-              <a14:hiddenFill xmlns:a14="http://schemas.microsoft.com/office/drawing/2010/main">
+              <a14:hiddenFill xmlns:a14="http://schemas.microsoft.com/office/drawing/2010/main" xmlns="">
                 <a:solidFill>
                   <a:srgbClr val="FFFFFF"/>
                 </a:solidFill>
@@ -3974,10 +4008,407 @@
           </a:p>
         </p:txBody>
       </p:sp>
+      <p:sp>
+        <p:nvSpPr>
+          <p:cNvPr id="18" name="Rectangle 17"/>
+          <p:cNvSpPr/>
+          <p:nvPr/>
+        </p:nvSpPr>
+        <p:spPr>
+          <a:xfrm>
+            <a:off x="3788283" y="3757334"/>
+            <a:ext cx="3010867" cy="1778879"/>
+          </a:xfrm>
+          <a:prstGeom prst="rect">
+            <a:avLst/>
+          </a:prstGeom>
+          <a:solidFill>
+            <a:schemeClr val="bg2">
+              <a:lumMod val="50000"/>
+            </a:schemeClr>
+          </a:solidFill>
+          <a:ln>
+            <a:noFill/>
+          </a:ln>
+        </p:spPr>
+        <p:style>
+          <a:lnRef idx="2">
+            <a:schemeClr val="accent1">
+              <a:shade val="50000"/>
+            </a:schemeClr>
+          </a:lnRef>
+          <a:fillRef idx="1">
+            <a:schemeClr val="accent1"/>
+          </a:fillRef>
+          <a:effectRef idx="0">
+            <a:schemeClr val="accent1"/>
+          </a:effectRef>
+          <a:fontRef idx="minor">
+            <a:schemeClr val="lt1"/>
+          </a:fontRef>
+        </p:style>
+        <p:txBody>
+          <a:bodyPr rtlCol="0" anchor="ctr"/>
+          <a:lstStyle/>
+          <a:p>
+            <a:pPr algn="ctr"/>
+            <a:r>
+              <a:rPr lang="en-CA" sz="1200" b="1" dirty="0" smtClean="0">
+                <a:solidFill>
+                  <a:schemeClr val="tx1"/>
+                </a:solidFill>
+              </a:rPr>
+              <a:t>Early AD or </a:t>
+            </a:r>
+            <a:r>
+              <a:rPr lang="en-CA" sz="1200" b="1" dirty="0" smtClean="0">
+                <a:solidFill>
+                  <a:schemeClr val="tx1"/>
+                </a:solidFill>
+              </a:rPr>
+              <a:t>dementia</a:t>
+            </a:r>
+            <a:endParaRPr lang="en-CA" sz="1200" b="1" dirty="0" smtClean="0">
+              <a:solidFill>
+                <a:schemeClr val="tx1"/>
+              </a:solidFill>
+            </a:endParaRPr>
+          </a:p>
+          <a:p>
+            <a:pPr algn="ctr"/>
+            <a:r>
+              <a:rPr lang="en-CA" sz="1200" b="1" dirty="0" smtClean="0">
+                <a:solidFill>
+                  <a:schemeClr val="tx1"/>
+                </a:solidFill>
+              </a:rPr>
+              <a:t>Music synchrony</a:t>
+            </a:r>
+          </a:p>
+          <a:p>
+            <a:pPr marL="171450" indent="-171450">
+              <a:buFont typeface="Arial" panose="020B0604020202020204" pitchFamily="34" charset="0"/>
+              <a:buChar char="•"/>
+            </a:pPr>
+            <a:r>
+              <a:rPr lang="en-CA" sz="1200" dirty="0" smtClean="0">
+                <a:solidFill>
+                  <a:schemeClr val="tx1"/>
+                </a:solidFill>
+              </a:rPr>
+              <a:t>fMRI</a:t>
+            </a:r>
+          </a:p>
+          <a:p>
+            <a:pPr marL="171450" indent="-171450">
+              <a:buFont typeface="Arial" panose="020B0604020202020204" pitchFamily="34" charset="0"/>
+              <a:buChar char="•"/>
+            </a:pPr>
+            <a:r>
+              <a:rPr lang="en-CA" sz="1200" dirty="0" smtClean="0">
+                <a:solidFill>
+                  <a:schemeClr val="tx1"/>
+                </a:solidFill>
+              </a:rPr>
+              <a:t>Long known stim only</a:t>
+            </a:r>
+          </a:p>
+          <a:p>
+            <a:pPr marL="171450" indent="-171450">
+              <a:buFont typeface="Arial" panose="020B0604020202020204" pitchFamily="34" charset="0"/>
+              <a:buChar char="•"/>
+            </a:pPr>
+            <a:r>
+              <a:rPr lang="en-CA" sz="1200" dirty="0" smtClean="0">
+                <a:solidFill>
+                  <a:srgbClr val="C00000"/>
+                </a:solidFill>
+              </a:rPr>
+              <a:t>CBS scores</a:t>
+            </a:r>
+            <a:endParaRPr lang="en-CA" sz="1200" dirty="0" smtClean="0">
+              <a:solidFill>
+                <a:srgbClr val="C00000"/>
+              </a:solidFill>
+            </a:endParaRPr>
+          </a:p>
+        </p:txBody>
+      </p:sp>
+      <p:cxnSp>
+        <p:nvCxnSpPr>
+          <p:cNvPr id="19" name="Straight Arrow Connector 18"/>
+          <p:cNvCxnSpPr/>
+          <p:nvPr/>
+        </p:nvCxnSpPr>
+        <p:spPr>
+          <a:xfrm>
+            <a:off x="712270" y="3668148"/>
+            <a:ext cx="0" cy="356134"/>
+          </a:xfrm>
+          <a:prstGeom prst="straightConnector1">
+            <a:avLst/>
+          </a:prstGeom>
+          <a:ln w="44450">
+            <a:solidFill>
+              <a:srgbClr val="7030A0"/>
+            </a:solidFill>
+            <a:tailEnd type="triangle"/>
+          </a:ln>
+          <a:effectLst/>
+        </p:spPr>
+        <p:style>
+          <a:lnRef idx="1">
+            <a:schemeClr val="accent1"/>
+          </a:lnRef>
+          <a:fillRef idx="0">
+            <a:schemeClr val="accent1"/>
+          </a:fillRef>
+          <a:effectRef idx="0">
+            <a:schemeClr val="accent1"/>
+          </a:effectRef>
+          <a:fontRef idx="minor">
+            <a:schemeClr val="tx1"/>
+          </a:fontRef>
+        </p:style>
+      </p:cxnSp>
+      <p:cxnSp>
+        <p:nvCxnSpPr>
+          <p:cNvPr id="25" name="Straight Arrow Connector 24"/>
+          <p:cNvCxnSpPr/>
+          <p:nvPr/>
+        </p:nvCxnSpPr>
+        <p:spPr>
+          <a:xfrm>
+            <a:off x="3906253" y="3668148"/>
+            <a:ext cx="0" cy="356134"/>
+          </a:xfrm>
+          <a:prstGeom prst="straightConnector1">
+            <a:avLst/>
+          </a:prstGeom>
+          <a:ln w="44450">
+            <a:solidFill>
+              <a:srgbClr val="7030A0"/>
+            </a:solidFill>
+            <a:tailEnd type="triangle"/>
+          </a:ln>
+          <a:effectLst/>
+        </p:spPr>
+        <p:style>
+          <a:lnRef idx="1">
+            <a:schemeClr val="accent1"/>
+          </a:lnRef>
+          <a:fillRef idx="0">
+            <a:schemeClr val="accent1"/>
+          </a:fillRef>
+          <a:effectRef idx="0">
+            <a:schemeClr val="accent1"/>
+          </a:effectRef>
+          <a:fontRef idx="minor">
+            <a:schemeClr val="tx1"/>
+          </a:fontRef>
+        </p:style>
+      </p:cxnSp>
+      <p:pic>
+        <p:nvPicPr>
+          <p:cNvPr id="26" name="Picture 2" descr="Image result for green checkmark"/>
+          <p:cNvPicPr>
+            <a:picLocks noChangeAspect="1" noChangeArrowheads="1"/>
+          </p:cNvPicPr>
+          <p:nvPr/>
+        </p:nvPicPr>
+        <p:blipFill>
+          <a:blip r:embed="rId2" cstate="print">
+            <a:extLst>
+              <a:ext uri="{28A0092B-C50C-407E-A947-70E740481C1C}">
+                <a14:useLocalDpi xmlns:a14="http://schemas.microsoft.com/office/drawing/2010/main" val="0"/>
+              </a:ext>
+            </a:extLst>
+          </a:blip>
+          <a:srcRect/>
+          <a:stretch>
+            <a:fillRect/>
+          </a:stretch>
+        </p:blipFill>
+        <p:spPr bwMode="auto">
+          <a:xfrm>
+            <a:off x="8599236" y="3387491"/>
+            <a:ext cx="269317" cy="280657"/>
+          </a:xfrm>
+          <a:prstGeom prst="rect">
+            <a:avLst/>
+          </a:prstGeom>
+          <a:noFill/>
+          <a:extLst>
+            <a:ext uri="{909E8E84-426E-40dd-AFC4-6F175D3DCCD1}">
+              <a14:hiddenFill xmlns:a14="http://schemas.microsoft.com/office/drawing/2010/main" xmlns="">
+                <a:solidFill>
+                  <a:srgbClr val="FFFFFF"/>
+                </a:solidFill>
+              </a14:hiddenFill>
+            </a:ext>
+          </a:extLst>
+        </p:spPr>
+      </p:pic>
     </p:spTree>
     <p:extLst>
       <p:ext uri="{BB962C8B-B14F-4D97-AF65-F5344CB8AC3E}">
         <p14:creationId xmlns:p14="http://schemas.microsoft.com/office/powerpoint/2010/main" val="1256860688"/>
+      </p:ext>
+    </p:extLst>
+  </p:cSld>
+  <p:clrMapOvr>
+    <a:masterClrMapping/>
+  </p:clrMapOvr>
+</p:sld>
+</file>
+
+<file path=ppt/slides/slide2.xml><?xml version="1.0" encoding="utf-8"?>
+<p:sld xmlns:a="http://schemas.openxmlformats.org/drawingml/2006/main" xmlns:r="http://schemas.openxmlformats.org/officeDocument/2006/relationships" xmlns:p="http://schemas.openxmlformats.org/presentationml/2006/main">
+  <p:cSld>
+    <p:spTree>
+      <p:nvGrpSpPr>
+        <p:cNvPr id="1" name=""/>
+        <p:cNvGrpSpPr/>
+        <p:nvPr/>
+      </p:nvGrpSpPr>
+      <p:grpSpPr>
+        <a:xfrm>
+          <a:off x="0" y="0"/>
+          <a:ext cx="0" cy="0"/>
+          <a:chOff x="0" y="0"/>
+          <a:chExt cx="0" cy="0"/>
+        </a:xfrm>
+      </p:grpSpPr>
+      <p:sp>
+        <p:nvSpPr>
+          <p:cNvPr id="2" name="Title 1"/>
+          <p:cNvSpPr>
+            <a:spLocks noGrp="1"/>
+          </p:cNvSpPr>
+          <p:nvPr>
+            <p:ph type="title"/>
+          </p:nvPr>
+        </p:nvSpPr>
+        <p:spPr/>
+        <p:txBody>
+          <a:bodyPr/>
+          <a:lstStyle/>
+          <a:p>
+            <a:endParaRPr lang="en-CA" dirty="0"/>
+          </a:p>
+        </p:txBody>
+      </p:sp>
+      <p:sp>
+        <p:nvSpPr>
+          <p:cNvPr id="3" name="Content Placeholder 2"/>
+          <p:cNvSpPr>
+            <a:spLocks noGrp="1"/>
+          </p:cNvSpPr>
+          <p:nvPr>
+            <p:ph idx="1"/>
+          </p:nvPr>
+        </p:nvSpPr>
+        <p:spPr/>
+        <p:txBody>
+          <a:bodyPr>
+            <a:normAutofit fontScale="92500" lnSpcReduction="20000"/>
+          </a:bodyPr>
+          <a:lstStyle/>
+          <a:p>
+            <a:r>
+              <a:rPr lang="en-CA" dirty="0" smtClean="0"/>
+              <a:t>How does synchrony change as we age</a:t>
+            </a:r>
+          </a:p>
+          <a:p>
+            <a:pPr lvl="1"/>
+            <a:r>
+              <a:rPr lang="en-CA" dirty="0" smtClean="0"/>
+              <a:t>Getting out of speech domain – using music</a:t>
+            </a:r>
+          </a:p>
+          <a:p>
+            <a:pPr lvl="1"/>
+            <a:r>
+              <a:rPr lang="en-CA" dirty="0" smtClean="0"/>
+              <a:t>Exploring how other factors relate to synchrony – familiarity, cognition</a:t>
+            </a:r>
+          </a:p>
+          <a:p>
+            <a:r>
+              <a:rPr lang="en-CA" dirty="0" smtClean="0"/>
+              <a:t>Starting with Young adults &amp; music </a:t>
+            </a:r>
+          </a:p>
+          <a:p>
+            <a:pPr lvl="1"/>
+            <a:r>
+              <a:rPr lang="en-CA" dirty="0" smtClean="0"/>
+              <a:t>Speech and movie has been done</a:t>
+            </a:r>
+          </a:p>
+          <a:p>
+            <a:r>
+              <a:rPr lang="en-CA" dirty="0" smtClean="0"/>
+              <a:t>Moving to healthy older adults</a:t>
+            </a:r>
+          </a:p>
+          <a:p>
+            <a:pPr lvl="1"/>
+            <a:r>
+              <a:rPr lang="en-CA" dirty="0" smtClean="0"/>
+              <a:t>Same music paradigm as younger adults</a:t>
+            </a:r>
+          </a:p>
+          <a:p>
+            <a:pPr lvl="1"/>
+            <a:r>
+              <a:rPr lang="en-CA" dirty="0" smtClean="0"/>
+              <a:t>Introduce well known music </a:t>
+            </a:r>
+          </a:p>
+          <a:p>
+            <a:pPr lvl="1"/>
+            <a:r>
+              <a:rPr lang="en-CA" dirty="0" smtClean="0"/>
+              <a:t>Maybe Hitchcock movie?</a:t>
+            </a:r>
+          </a:p>
+          <a:p>
+            <a:r>
+              <a:rPr lang="en-CA" dirty="0" smtClean="0"/>
+              <a:t>Finally to dementia/AD</a:t>
+            </a:r>
+          </a:p>
+          <a:p>
+            <a:pPr lvl="1"/>
+            <a:r>
+              <a:rPr lang="en-CA" dirty="0" smtClean="0"/>
+              <a:t>Use well known music only</a:t>
+            </a:r>
+          </a:p>
+          <a:p>
+            <a:pPr lvl="1"/>
+            <a:r>
+              <a:rPr lang="en-CA" dirty="0" smtClean="0"/>
+              <a:t>Use well characterized stim – Hitchcock movie, Taken, </a:t>
+            </a:r>
+            <a:r>
+              <a:rPr lang="en-CA" dirty="0" err="1" smtClean="0"/>
+              <a:t>etc</a:t>
+            </a:r>
+            <a:endParaRPr lang="en-CA" dirty="0" smtClean="0"/>
+          </a:p>
+          <a:p>
+            <a:pPr lvl="1"/>
+            <a:endParaRPr lang="en-CA" dirty="0"/>
+          </a:p>
+        </p:txBody>
+      </p:sp>
+    </p:spTree>
+    <p:extLst>
+      <p:ext uri="{BB962C8B-B14F-4D97-AF65-F5344CB8AC3E}">
+        <p14:creationId xmlns:p14="http://schemas.microsoft.com/office/powerpoint/2010/main" val="3202045082"/>
       </p:ext>
     </p:extLst>
   </p:cSld>
@@ -4242,7 +4673,7 @@
   <a:extraClrSchemeLst/>
   <a:extLst>
     <a:ext uri="{05A4C25C-085E-4340-85A3-A5531E510DB2}">
-      <thm15:themeFamily xmlns:thm15="http://schemas.microsoft.com/office/thememl/2012/main" xmlns="" name="Office Theme" id="{62F939B6-93AF-4DB8-9C6B-D6C7DFDC589F}" vid="{4A3C46E8-61CC-4603-A589-7422A47A8E4A}"/>
+      <thm15:themeFamily xmlns:thm15="http://schemas.microsoft.com/office/thememl/2012/main" name="Office Theme" id="{62F939B6-93AF-4DB8-9C6B-D6C7DFDC589F}" vid="{4A3C46E8-61CC-4603-A589-7422A47A8E4A}"/>
     </a:ext>
   </a:extLst>
 </a:theme>

--- a/Meetings/2018.04.24-PhDOutline.pptx
+++ b/Meetings/2018.04.24-PhDOutline.pptx
@@ -8,7 +8,7 @@
     <p:sldId id="256" r:id="rId2"/>
   </p:sldIdLst>
   <p:sldSz cx="9144000" cy="6858000" type="screen4x3"/>
-  <p:notesSz cx="6858000" cy="9144000"/>
+  <p:notesSz cx="7010400" cy="9296400"/>
   <p:defaultTextStyle>
     <a:defPPr>
       <a:defRPr lang="en-US"/>
@@ -104,6 +104,22 @@
       </a:defRPr>
     </a:lvl9pPr>
   </p:defaultTextStyle>
+  <p:extLst>
+    <p:ext uri="{EFAFB233-063F-42B5-8137-9DF3F51BA10A}">
+      <p15:sldGuideLst xmlns:p15="http://schemas.microsoft.com/office/powerpoint/2012/main">
+        <p15:guide id="1" orient="horz" pos="2160">
+          <p15:clr>
+            <a:srgbClr val="A4A3A4"/>
+          </p15:clr>
+        </p15:guide>
+        <p15:guide id="2" pos="2880">
+          <p15:clr>
+            <a:srgbClr val="A4A3A4"/>
+          </p15:clr>
+        </p15:guide>
+      </p15:sldGuideLst>
+    </p:ext>
+  </p:extLst>
 </p:presentation>
 </file>
 
@@ -238,7 +254,7 @@
           <a:p>
             <a:fld id="{C4FA8CDB-8DD7-4860-AB92-9053B68FDE61}" type="datetimeFigureOut">
               <a:rPr lang="en-CA" smtClean="0"/>
-              <a:t>18-04-23</a:t>
+              <a:t>24/04/2018</a:t>
             </a:fld>
             <a:endParaRPr lang="en-CA"/>
           </a:p>
@@ -408,7 +424,7 @@
           <a:p>
             <a:fld id="{C4FA8CDB-8DD7-4860-AB92-9053B68FDE61}" type="datetimeFigureOut">
               <a:rPr lang="en-CA" smtClean="0"/>
-              <a:t>18-04-23</a:t>
+              <a:t>24/04/2018</a:t>
             </a:fld>
             <a:endParaRPr lang="en-CA"/>
           </a:p>
@@ -588,7 +604,7 @@
           <a:p>
             <a:fld id="{C4FA8CDB-8DD7-4860-AB92-9053B68FDE61}" type="datetimeFigureOut">
               <a:rPr lang="en-CA" smtClean="0"/>
-              <a:t>18-04-23</a:t>
+              <a:t>24/04/2018</a:t>
             </a:fld>
             <a:endParaRPr lang="en-CA"/>
           </a:p>
@@ -758,7 +774,7 @@
           <a:p>
             <a:fld id="{C4FA8CDB-8DD7-4860-AB92-9053B68FDE61}" type="datetimeFigureOut">
               <a:rPr lang="en-CA" smtClean="0"/>
-              <a:t>18-04-23</a:t>
+              <a:t>24/04/2018</a:t>
             </a:fld>
             <a:endParaRPr lang="en-CA"/>
           </a:p>
@@ -1002,7 +1018,7 @@
           <a:p>
             <a:fld id="{C4FA8CDB-8DD7-4860-AB92-9053B68FDE61}" type="datetimeFigureOut">
               <a:rPr lang="en-CA" smtClean="0"/>
-              <a:t>18-04-23</a:t>
+              <a:t>24/04/2018</a:t>
             </a:fld>
             <a:endParaRPr lang="en-CA"/>
           </a:p>
@@ -1234,7 +1250,7 @@
           <a:p>
             <a:fld id="{C4FA8CDB-8DD7-4860-AB92-9053B68FDE61}" type="datetimeFigureOut">
               <a:rPr lang="en-CA" smtClean="0"/>
-              <a:t>18-04-23</a:t>
+              <a:t>24/04/2018</a:t>
             </a:fld>
             <a:endParaRPr lang="en-CA"/>
           </a:p>
@@ -1601,7 +1617,7 @@
           <a:p>
             <a:fld id="{C4FA8CDB-8DD7-4860-AB92-9053B68FDE61}" type="datetimeFigureOut">
               <a:rPr lang="en-CA" smtClean="0"/>
-              <a:t>18-04-23</a:t>
+              <a:t>24/04/2018</a:t>
             </a:fld>
             <a:endParaRPr lang="en-CA"/>
           </a:p>
@@ -1719,7 +1735,7 @@
           <a:p>
             <a:fld id="{C4FA8CDB-8DD7-4860-AB92-9053B68FDE61}" type="datetimeFigureOut">
               <a:rPr lang="en-CA" smtClean="0"/>
-              <a:t>18-04-23</a:t>
+              <a:t>24/04/2018</a:t>
             </a:fld>
             <a:endParaRPr lang="en-CA"/>
           </a:p>
@@ -1814,7 +1830,7 @@
           <a:p>
             <a:fld id="{C4FA8CDB-8DD7-4860-AB92-9053B68FDE61}" type="datetimeFigureOut">
               <a:rPr lang="en-CA" smtClean="0"/>
-              <a:t>18-04-23</a:t>
+              <a:t>24/04/2018</a:t>
             </a:fld>
             <a:endParaRPr lang="en-CA"/>
           </a:p>
@@ -2091,7 +2107,7 @@
           <a:p>
             <a:fld id="{C4FA8CDB-8DD7-4860-AB92-9053B68FDE61}" type="datetimeFigureOut">
               <a:rPr lang="en-CA" smtClean="0"/>
-              <a:t>18-04-23</a:t>
+              <a:t>24/04/2018</a:t>
             </a:fld>
             <a:endParaRPr lang="en-CA"/>
           </a:p>
@@ -2348,7 +2364,7 @@
           <a:p>
             <a:fld id="{C4FA8CDB-8DD7-4860-AB92-9053B68FDE61}" type="datetimeFigureOut">
               <a:rPr lang="en-CA" smtClean="0"/>
-              <a:t>18-04-23</a:t>
+              <a:t>24/04/2018</a:t>
             </a:fld>
             <a:endParaRPr lang="en-CA"/>
           </a:p>
@@ -2561,7 +2577,7 @@
           <a:p>
             <a:fld id="{C4FA8CDB-8DD7-4860-AB92-9053B68FDE61}" type="datetimeFigureOut">
               <a:rPr lang="en-CA" smtClean="0"/>
-              <a:t>18-04-23</a:t>
+              <a:t>24/04/2018</a:t>
             </a:fld>
             <a:endParaRPr lang="en-CA"/>
           </a:p>
@@ -2981,10 +2997,11 @@
             <a:avLst/>
           </a:prstGeom>
           <a:solidFill>
-            <a:schemeClr val="accent1">
-              <a:lumMod val="75000"/>
-            </a:schemeClr>
+            <a:schemeClr val="bg2"/>
           </a:solidFill>
+          <a:ln>
+            <a:noFill/>
+          </a:ln>
         </p:spPr>
         <p:style>
           <a:lnRef idx="2">
@@ -3008,14 +3025,22 @@
           <a:p>
             <a:pPr algn="ctr"/>
             <a:r>
-              <a:rPr lang="en-CA" sz="1200" b="1" dirty="0" smtClean="0"/>
+              <a:rPr lang="en-CA" sz="1200" b="1" dirty="0" smtClean="0">
+                <a:solidFill>
+                  <a:schemeClr val="tx1"/>
+                </a:solidFill>
+              </a:rPr>
               <a:t>Young Adults</a:t>
             </a:r>
           </a:p>
           <a:p>
             <a:pPr algn="ctr"/>
             <a:r>
-              <a:rPr lang="en-CA" sz="1200" b="1" dirty="0" smtClean="0"/>
+              <a:rPr lang="en-CA" sz="1200" b="1" dirty="0" smtClean="0">
+                <a:solidFill>
+                  <a:schemeClr val="tx1"/>
+                </a:solidFill>
+              </a:rPr>
               <a:t>Marker of music familiarity</a:t>
             </a:r>
           </a:p>
@@ -3025,7 +3050,11 @@
               <a:buChar char="•"/>
             </a:pPr>
             <a:r>
-              <a:rPr lang="en-CA" sz="1200" dirty="0" smtClean="0"/>
+              <a:rPr lang="en-CA" sz="1200" dirty="0" smtClean="0">
+                <a:solidFill>
+                  <a:schemeClr val="tx1"/>
+                </a:solidFill>
+              </a:rPr>
               <a:t>BOLD fMRI data</a:t>
             </a:r>
           </a:p>
@@ -3035,7 +3064,11 @@
               <a:buChar char="•"/>
             </a:pPr>
             <a:r>
-              <a:rPr lang="en-CA" sz="1200" dirty="0" smtClean="0"/>
+              <a:rPr lang="en-CA" sz="1200" dirty="0" smtClean="0">
+                <a:solidFill>
+                  <a:schemeClr val="tx1"/>
+                </a:solidFill>
+              </a:rPr>
               <a:t>Tightly controlled familiarity</a:t>
             </a:r>
           </a:p>
@@ -3045,10 +3078,18 @@
               <a:buChar char="•"/>
             </a:pPr>
             <a:r>
-              <a:rPr lang="en-CA" sz="1200" dirty="0" smtClean="0"/>
+              <a:rPr lang="en-CA" sz="1200" dirty="0" smtClean="0">
+                <a:solidFill>
+                  <a:schemeClr val="tx1"/>
+                </a:solidFill>
+              </a:rPr>
               <a:t>How lyrics/language interact with familiarity</a:t>
             </a:r>
-            <a:endParaRPr lang="en-CA" sz="1200" dirty="0"/>
+            <a:endParaRPr lang="en-CA" sz="1200" dirty="0">
+              <a:solidFill>
+                <a:schemeClr val="tx1"/>
+              </a:solidFill>
+            </a:endParaRPr>
           </a:p>
         </p:txBody>
       </p:sp>
@@ -3067,291 +3108,8 @@
             <a:avLst/>
           </a:prstGeom>
           <a:solidFill>
-            <a:schemeClr val="accent1">
-              <a:lumMod val="50000"/>
-            </a:schemeClr>
-          </a:solidFill>
-        </p:spPr>
-        <p:style>
-          <a:lnRef idx="2">
-            <a:schemeClr val="accent1">
-              <a:shade val="50000"/>
-            </a:schemeClr>
-          </a:lnRef>
-          <a:fillRef idx="1">
-            <a:schemeClr val="accent1"/>
-          </a:fillRef>
-          <a:effectRef idx="0">
-            <a:schemeClr val="accent1"/>
-          </a:effectRef>
-          <a:fontRef idx="minor">
-            <a:schemeClr val="lt1"/>
-          </a:fontRef>
-        </p:style>
-        <p:txBody>
-          <a:bodyPr rtlCol="0" anchor="ctr"/>
-          <a:lstStyle/>
-          <a:p>
-            <a:pPr algn="ctr"/>
-            <a:r>
-              <a:rPr lang="en-CA" sz="1200" b="1" dirty="0" smtClean="0"/>
-              <a:t>Older Adults (healthy)</a:t>
-            </a:r>
-          </a:p>
-          <a:p>
-            <a:pPr algn="ctr"/>
-            <a:r>
-              <a:rPr lang="en-CA" sz="1200" b="1" dirty="0" smtClean="0"/>
-              <a:t>How does the marker of music familiarity change?</a:t>
-            </a:r>
-          </a:p>
-          <a:p>
-            <a:pPr marL="171450" indent="-171450">
-              <a:buFont typeface="Arial" panose="020B0604020202020204" pitchFamily="34" charset="0"/>
-              <a:buChar char="•"/>
-            </a:pPr>
-            <a:r>
-              <a:rPr lang="en-CA" sz="1200" dirty="0" smtClean="0"/>
-              <a:t>Run music training paradigm</a:t>
-            </a:r>
-          </a:p>
-          <a:p>
-            <a:pPr marL="171450" indent="-171450">
-              <a:buFont typeface="Arial" panose="020B0604020202020204" pitchFamily="34" charset="0"/>
-              <a:buChar char="•"/>
-            </a:pPr>
-            <a:r>
-              <a:rPr lang="en-CA" sz="1200" dirty="0" smtClean="0"/>
-              <a:t>BOLD fMRI data</a:t>
-            </a:r>
-          </a:p>
-          <a:p>
-            <a:pPr marL="171450" indent="-171450">
-              <a:buFont typeface="Arial" panose="020B0604020202020204" pitchFamily="34" charset="0"/>
-              <a:buChar char="•"/>
-            </a:pPr>
-            <a:r>
-              <a:rPr lang="en-CA" sz="1200" dirty="0" smtClean="0"/>
-              <a:t>Related to </a:t>
-            </a:r>
-            <a:r>
-              <a:rPr lang="en-CA" sz="1200" dirty="0" smtClean="0">
-                <a:solidFill>
-                  <a:schemeClr val="accent4">
-                    <a:lumMod val="75000"/>
-                  </a:schemeClr>
-                </a:solidFill>
-              </a:rPr>
-              <a:t>CBS scores</a:t>
-            </a:r>
-            <a:endParaRPr lang="en-CA" sz="1200" dirty="0">
-              <a:solidFill>
-                <a:schemeClr val="accent4">
-                  <a:lumMod val="75000"/>
-                </a:schemeClr>
-              </a:solidFill>
-            </a:endParaRPr>
-          </a:p>
-        </p:txBody>
-      </p:sp>
-      <p:sp>
-        <p:nvSpPr>
-          <p:cNvPr id="7" name="Rectangle 6"/>
-          <p:cNvSpPr/>
-          <p:nvPr/>
-        </p:nvSpPr>
-        <p:spPr>
-          <a:xfrm>
-            <a:off x="3782837" y="624545"/>
-            <a:ext cx="3016313" cy="1376127"/>
-          </a:xfrm>
-          <a:prstGeom prst="rect">
-            <a:avLst/>
-          </a:prstGeom>
-          <a:solidFill>
-            <a:schemeClr val="accent1">
+            <a:schemeClr val="bg2">
               <a:lumMod val="75000"/>
-            </a:schemeClr>
-          </a:solidFill>
-        </p:spPr>
-        <p:style>
-          <a:lnRef idx="2">
-            <a:schemeClr val="accent1">
-              <a:shade val="50000"/>
-            </a:schemeClr>
-          </a:lnRef>
-          <a:fillRef idx="1">
-            <a:schemeClr val="accent1"/>
-          </a:fillRef>
-          <a:effectRef idx="0">
-            <a:schemeClr val="accent1"/>
-          </a:effectRef>
-          <a:fontRef idx="minor">
-            <a:schemeClr val="lt1"/>
-          </a:fontRef>
-        </p:style>
-        <p:txBody>
-          <a:bodyPr rtlCol="0" anchor="ctr"/>
-          <a:lstStyle/>
-          <a:p>
-            <a:pPr algn="ctr"/>
-            <a:r>
-              <a:rPr lang="en-CA" sz="1200" b="1" dirty="0" smtClean="0"/>
-              <a:t>Young Adults</a:t>
-            </a:r>
-          </a:p>
-          <a:p>
-            <a:pPr algn="ctr"/>
-            <a:r>
-              <a:rPr lang="en-CA" sz="1200" b="1" dirty="0" smtClean="0"/>
-              <a:t>Music synchrony</a:t>
-            </a:r>
-          </a:p>
-          <a:p>
-            <a:pPr marL="171450" indent="-171450">
-              <a:buFont typeface="Arial" panose="020B0604020202020204" pitchFamily="34" charset="0"/>
-              <a:buChar char="•"/>
-            </a:pPr>
-            <a:r>
-              <a:rPr lang="en-CA" sz="1200" dirty="0" smtClean="0"/>
-              <a:t>What does it look like when young adults synchronize to familiar/unfamiliar music?</a:t>
-            </a:r>
-          </a:p>
-          <a:p>
-            <a:pPr marL="171450" indent="-171450">
-              <a:buFont typeface="Arial" panose="020B0604020202020204" pitchFamily="34" charset="0"/>
-              <a:buChar char="•"/>
-            </a:pPr>
-            <a:r>
-              <a:rPr lang="en-CA" sz="1200" dirty="0" smtClean="0"/>
-              <a:t>Related to behaviour – what does this tell us about how they perceived the music</a:t>
-            </a:r>
-            <a:endParaRPr lang="en-CA" sz="1200" dirty="0"/>
-          </a:p>
-        </p:txBody>
-      </p:sp>
-      <p:sp>
-        <p:nvSpPr>
-          <p:cNvPr id="8" name="Rectangle 7"/>
-          <p:cNvSpPr/>
-          <p:nvPr/>
-        </p:nvSpPr>
-        <p:spPr>
-          <a:xfrm>
-            <a:off x="3782838" y="2009870"/>
-            <a:ext cx="3016313" cy="1756372"/>
-          </a:xfrm>
-          <a:prstGeom prst="rect">
-            <a:avLst/>
-          </a:prstGeom>
-          <a:solidFill>
-            <a:schemeClr val="accent1">
-              <a:lumMod val="50000"/>
-            </a:schemeClr>
-          </a:solidFill>
-        </p:spPr>
-        <p:style>
-          <a:lnRef idx="2">
-            <a:schemeClr val="accent1">
-              <a:shade val="50000"/>
-            </a:schemeClr>
-          </a:lnRef>
-          <a:fillRef idx="1">
-            <a:schemeClr val="accent1"/>
-          </a:fillRef>
-          <a:effectRef idx="0">
-            <a:schemeClr val="accent1"/>
-          </a:effectRef>
-          <a:fontRef idx="minor">
-            <a:schemeClr val="lt1"/>
-          </a:fontRef>
-        </p:style>
-        <p:txBody>
-          <a:bodyPr rtlCol="0" anchor="ctr"/>
-          <a:lstStyle/>
-          <a:p>
-            <a:pPr algn="ctr"/>
-            <a:r>
-              <a:rPr lang="en-CA" sz="1200" b="1" dirty="0" smtClean="0"/>
-              <a:t>Older Adults (healthy)</a:t>
-            </a:r>
-          </a:p>
-          <a:p>
-            <a:pPr algn="ctr"/>
-            <a:r>
-              <a:rPr lang="en-CA" sz="1200" b="1" dirty="0" smtClean="0"/>
-              <a:t>Music synchrony</a:t>
-            </a:r>
-          </a:p>
-          <a:p>
-            <a:pPr marL="171450" indent="-171450">
-              <a:buFont typeface="Arial" panose="020B0604020202020204" pitchFamily="34" charset="0"/>
-              <a:buChar char="•"/>
-            </a:pPr>
-            <a:r>
-              <a:rPr lang="en-CA" sz="1200" dirty="0" smtClean="0"/>
-              <a:t>What does it look like when older adults synchronize to familiar/unfamiliar music?</a:t>
-            </a:r>
-          </a:p>
-          <a:p>
-            <a:pPr marL="171450" indent="-171450">
-              <a:buFont typeface="Arial" panose="020B0604020202020204" pitchFamily="34" charset="0"/>
-              <a:buChar char="•"/>
-            </a:pPr>
-            <a:r>
-              <a:rPr lang="en-CA" sz="1200" dirty="0" smtClean="0"/>
-              <a:t>Synchrony to long known stim as comparison</a:t>
-            </a:r>
-          </a:p>
-          <a:p>
-            <a:pPr marL="171450" indent="-171450">
-              <a:buFont typeface="Arial" panose="020B0604020202020204" pitchFamily="34" charset="0"/>
-              <a:buChar char="•"/>
-            </a:pPr>
-            <a:r>
-              <a:rPr lang="en-CA" sz="1200" dirty="0" smtClean="0"/>
-              <a:t>Related to behaviour – what does this tell us about how they perceived the music?</a:t>
-            </a:r>
-          </a:p>
-          <a:p>
-            <a:pPr marL="171450" indent="-171450">
-              <a:buFont typeface="Arial" panose="020B0604020202020204" pitchFamily="34" charset="0"/>
-              <a:buChar char="•"/>
-            </a:pPr>
-            <a:r>
-              <a:rPr lang="en-CA" sz="1200" dirty="0" smtClean="0"/>
-              <a:t>Related to </a:t>
-            </a:r>
-            <a:r>
-              <a:rPr lang="en-CA" sz="1200" dirty="0" smtClean="0">
-                <a:solidFill>
-                  <a:schemeClr val="accent4">
-                    <a:lumMod val="75000"/>
-                  </a:schemeClr>
-                </a:solidFill>
-              </a:rPr>
-              <a:t>CBS scores</a:t>
-            </a:r>
-          </a:p>
-        </p:txBody>
-      </p:sp>
-      <p:sp>
-        <p:nvSpPr>
-          <p:cNvPr id="10" name="Rectangle 9"/>
-          <p:cNvSpPr/>
-          <p:nvPr/>
-        </p:nvSpPr>
-        <p:spPr>
-          <a:xfrm>
-            <a:off x="615635" y="3978998"/>
-            <a:ext cx="3016313" cy="1756372"/>
-          </a:xfrm>
-          <a:prstGeom prst="rect">
-            <a:avLst/>
-          </a:prstGeom>
-          <a:solidFill>
-            <a:schemeClr val="accent1">
-              <a:lumMod val="50000"/>
             </a:schemeClr>
           </a:solidFill>
           <a:ln>
@@ -3380,17 +3138,24 @@
           <a:p>
             <a:pPr algn="ctr"/>
             <a:r>
-              <a:rPr lang="en-CA" sz="1200" b="1" dirty="0" smtClean="0"/>
-              <a:t>Older Adults</a:t>
+              <a:rPr lang="en-CA" sz="1200" b="1" dirty="0" smtClean="0">
+                <a:solidFill>
+                  <a:schemeClr val="tx1"/>
+                </a:solidFill>
+              </a:rPr>
+              <a:t>Older Adults (healthy)</a:t>
             </a:r>
           </a:p>
           <a:p>
             <a:pPr algn="ctr"/>
             <a:r>
-              <a:rPr lang="en-CA" sz="1200" b="1" dirty="0" smtClean="0"/>
-              <a:t>How does cognition change as we age?</a:t>
-            </a:r>
-            <a:endParaRPr lang="en-CA" sz="1200" dirty="0" smtClean="0"/>
+              <a:rPr lang="en-CA" sz="1200" b="1" dirty="0" smtClean="0">
+                <a:solidFill>
+                  <a:schemeClr val="tx1"/>
+                </a:solidFill>
+              </a:rPr>
+              <a:t>How does the marker of music familiarity change?</a:t>
+            </a:r>
           </a:p>
           <a:p>
             <a:pPr marL="171450" indent="-171450">
@@ -3400,24 +3165,10 @@
             <a:r>
               <a:rPr lang="en-CA" sz="1200" dirty="0" smtClean="0">
                 <a:solidFill>
-                  <a:schemeClr val="accent4">
-                    <a:lumMod val="75000"/>
-                  </a:schemeClr>
-                </a:solidFill>
-              </a:rPr>
-              <a:t>CBS</a:t>
-            </a:r>
-            <a:r>
-              <a:rPr lang="en-CA" sz="1200" dirty="0" smtClean="0"/>
-              <a:t>, </a:t>
-            </a:r>
-            <a:r>
-              <a:rPr lang="en-CA" sz="1200" dirty="0" err="1" smtClean="0"/>
-              <a:t>MoCA</a:t>
-            </a:r>
-            <a:r>
-              <a:rPr lang="en-CA" sz="1200" dirty="0" smtClean="0"/>
-              <a:t>, MMSE</a:t>
+                  <a:schemeClr val="tx1"/>
+                </a:solidFill>
+              </a:rPr>
+              <a:t>Run music training paradigm</a:t>
             </a:r>
           </a:p>
           <a:p>
@@ -3426,8 +3177,12 @@
               <a:buChar char="•"/>
             </a:pPr>
             <a:r>
-              <a:rPr lang="en-CA" sz="1200" dirty="0" smtClean="0"/>
-              <a:t>CBS as a fine-grained way to measure cognition</a:t>
+              <a:rPr lang="en-CA" sz="1200" dirty="0" smtClean="0">
+                <a:solidFill>
+                  <a:schemeClr val="tx1"/>
+                </a:solidFill>
+              </a:rPr>
+              <a:t>BOLD fMRI data</a:t>
             </a:r>
           </a:p>
           <a:p>
@@ -3436,30 +3191,151 @@
               <a:buChar char="•"/>
             </a:pPr>
             <a:r>
-              <a:rPr lang="en-CA" sz="1200" dirty="0" smtClean="0"/>
-              <a:t>Validating why we should use CBS in the other older adult experiments</a:t>
-            </a:r>
-            <a:endParaRPr lang="en-CA" sz="1200" dirty="0"/>
-          </a:p>
-        </p:txBody>
-      </p:sp>
-      <p:sp>
-        <p:nvSpPr>
-          <p:cNvPr id="11" name="Rectangle 10"/>
+              <a:rPr lang="en-CA" sz="1200" dirty="0" smtClean="0">
+                <a:solidFill>
+                  <a:schemeClr val="tx1"/>
+                </a:solidFill>
+              </a:rPr>
+              <a:t>Related to </a:t>
+            </a:r>
+            <a:r>
+              <a:rPr lang="en-CA" sz="1200" dirty="0" smtClean="0">
+                <a:solidFill>
+                  <a:srgbClr val="C00000"/>
+                </a:solidFill>
+              </a:rPr>
+              <a:t>CBS</a:t>
+            </a:r>
+            <a:r>
+              <a:rPr lang="en-CA" sz="1200" dirty="0" smtClean="0">
+                <a:solidFill>
+                  <a:schemeClr val="tx1"/>
+                </a:solidFill>
+              </a:rPr>
+              <a:t> scores</a:t>
+            </a:r>
+            <a:endParaRPr lang="en-CA" sz="1200" dirty="0">
+              <a:solidFill>
+                <a:schemeClr val="tx1"/>
+              </a:solidFill>
+            </a:endParaRPr>
+          </a:p>
+        </p:txBody>
+      </p:sp>
+      <p:sp>
+        <p:nvSpPr>
+          <p:cNvPr id="7" name="Rectangle 6"/>
           <p:cNvSpPr/>
           <p:nvPr/>
         </p:nvSpPr>
         <p:spPr>
           <a:xfrm>
-            <a:off x="3631948" y="3978998"/>
+            <a:off x="3782837" y="633598"/>
+            <a:ext cx="3016313" cy="1376127"/>
+          </a:xfrm>
+          <a:prstGeom prst="rect">
+            <a:avLst/>
+          </a:prstGeom>
+          <a:solidFill>
+            <a:schemeClr val="bg2"/>
+          </a:solidFill>
+          <a:ln>
+            <a:noFill/>
+          </a:ln>
+        </p:spPr>
+        <p:style>
+          <a:lnRef idx="2">
+            <a:schemeClr val="accent1">
+              <a:shade val="50000"/>
+            </a:schemeClr>
+          </a:lnRef>
+          <a:fillRef idx="1">
+            <a:schemeClr val="accent1"/>
+          </a:fillRef>
+          <a:effectRef idx="0">
+            <a:schemeClr val="accent1"/>
+          </a:effectRef>
+          <a:fontRef idx="minor">
+            <a:schemeClr val="lt1"/>
+          </a:fontRef>
+        </p:style>
+        <p:txBody>
+          <a:bodyPr rtlCol="0" anchor="ctr"/>
+          <a:lstStyle/>
+          <a:p>
+            <a:pPr algn="ctr"/>
+            <a:r>
+              <a:rPr lang="en-CA" sz="1200" b="1" dirty="0" smtClean="0">
+                <a:solidFill>
+                  <a:schemeClr val="tx1"/>
+                </a:solidFill>
+              </a:rPr>
+              <a:t>Young Adults</a:t>
+            </a:r>
+          </a:p>
+          <a:p>
+            <a:pPr algn="ctr"/>
+            <a:r>
+              <a:rPr lang="en-CA" sz="1200" b="1" dirty="0" smtClean="0">
+                <a:solidFill>
+                  <a:schemeClr val="tx1"/>
+                </a:solidFill>
+              </a:rPr>
+              <a:t>Music synchrony</a:t>
+            </a:r>
+          </a:p>
+          <a:p>
+            <a:pPr marL="171450" indent="-171450">
+              <a:buFont typeface="Arial" panose="020B0604020202020204" pitchFamily="34" charset="0"/>
+              <a:buChar char="•"/>
+            </a:pPr>
+            <a:r>
+              <a:rPr lang="en-CA" sz="1200" dirty="0" smtClean="0">
+                <a:solidFill>
+                  <a:schemeClr val="tx1"/>
+                </a:solidFill>
+              </a:rPr>
+              <a:t>What does it look like when young adults synchronize to familiar/unfamiliar music?</a:t>
+            </a:r>
+          </a:p>
+          <a:p>
+            <a:pPr marL="171450" indent="-171450">
+              <a:buFont typeface="Arial" panose="020B0604020202020204" pitchFamily="34" charset="0"/>
+              <a:buChar char="•"/>
+            </a:pPr>
+            <a:r>
+              <a:rPr lang="en-CA" sz="1200" dirty="0" smtClean="0">
+                <a:solidFill>
+                  <a:schemeClr val="tx1"/>
+                </a:solidFill>
+              </a:rPr>
+              <a:t>Related to behaviour – what does this tell us about how they perceived the music</a:t>
+            </a:r>
+            <a:endParaRPr lang="en-CA" sz="1200" dirty="0">
+              <a:solidFill>
+                <a:schemeClr val="tx1"/>
+              </a:solidFill>
+            </a:endParaRPr>
+          </a:p>
+        </p:txBody>
+      </p:sp>
+      <p:sp>
+        <p:nvSpPr>
+          <p:cNvPr id="8" name="Rectangle 7"/>
+          <p:cNvSpPr/>
+          <p:nvPr/>
+        </p:nvSpPr>
+        <p:spPr>
+          <a:xfrm>
+            <a:off x="3782838" y="2009870"/>
             <a:ext cx="3016313" cy="1756372"/>
           </a:xfrm>
           <a:prstGeom prst="rect">
             <a:avLst/>
           </a:prstGeom>
           <a:solidFill>
-            <a:schemeClr val="accent1">
-              <a:lumMod val="50000"/>
+            <a:schemeClr val="bg2">
+              <a:lumMod val="75000"/>
             </a:schemeClr>
           </a:solidFill>
           <a:ln>
@@ -3488,20 +3364,24 @@
           <a:p>
             <a:pPr algn="ctr"/>
             <a:r>
-              <a:rPr lang="en-CA" sz="1200" b="1" dirty="0" smtClean="0"/>
-              <a:t>Older Adults</a:t>
+              <a:rPr lang="en-CA" sz="1200" b="1" dirty="0" smtClean="0">
+                <a:solidFill>
+                  <a:schemeClr val="tx1"/>
+                </a:solidFill>
+              </a:rPr>
+              <a:t>Older Adults (healthy)</a:t>
             </a:r>
           </a:p>
           <a:p>
             <a:pPr algn="ctr"/>
             <a:r>
-              <a:rPr lang="en-CA" sz="1200" b="1" dirty="0" smtClean="0"/>
-              <a:t>How can we measure what it’s like to be a healthy or declining adult?</a:t>
-            </a:r>
-          </a:p>
-          <a:p>
-            <a:pPr algn="ctr"/>
-            <a:endParaRPr lang="en-CA" sz="1200" dirty="0" smtClean="0"/>
+              <a:rPr lang="en-CA" sz="1200" b="1" dirty="0" smtClean="0">
+                <a:solidFill>
+                  <a:schemeClr val="tx1"/>
+                </a:solidFill>
+              </a:rPr>
+              <a:t>Music synchrony</a:t>
+            </a:r>
           </a:p>
           <a:p>
             <a:pPr marL="171450" indent="-171450">
@@ -3509,51 +3389,96 @@
               <a:buChar char="•"/>
             </a:pPr>
             <a:r>
-              <a:rPr lang="en-CA" sz="1200" dirty="0" smtClean="0"/>
-              <a:t>Data mining the RUSH data </a:t>
-            </a:r>
-            <a:r>
-              <a:rPr lang="mr-IN" sz="1200" dirty="0" smtClean="0"/>
-              <a:t>–</a:t>
-            </a:r>
-            <a:r>
-              <a:rPr lang="en-CA" sz="1200" dirty="0" smtClean="0"/>
-              <a:t> </a:t>
-            </a:r>
-            <a:r>
-              <a:rPr lang="en-CA" sz="1200" dirty="0" err="1" smtClean="0"/>
-              <a:t>Hachinski</a:t>
-            </a:r>
-            <a:endParaRPr lang="en-CA" sz="1200" dirty="0" smtClean="0"/>
+              <a:rPr lang="en-CA" sz="1200" dirty="0" smtClean="0">
+                <a:solidFill>
+                  <a:schemeClr val="tx1"/>
+                </a:solidFill>
+              </a:rPr>
+              <a:t>What does it look like when older adults synchronize to familiar/unfamiliar music?</a:t>
+            </a:r>
           </a:p>
           <a:p>
             <a:pPr marL="171450" indent="-171450">
               <a:buFont typeface="Arial" panose="020B0604020202020204" pitchFamily="34" charset="0"/>
               <a:buChar char="•"/>
             </a:pPr>
-            <a:endParaRPr lang="en-CA" sz="1200" dirty="0"/>
-          </a:p>
-        </p:txBody>
-      </p:sp>
-      <p:sp>
-        <p:nvSpPr>
-          <p:cNvPr id="12" name="Rectangle 11"/>
+            <a:r>
+              <a:rPr lang="en-CA" sz="1200" dirty="0" smtClean="0">
+                <a:solidFill>
+                  <a:schemeClr val="tx1"/>
+                </a:solidFill>
+              </a:rPr>
+              <a:t>Synchrony to long known stim as comparison</a:t>
+            </a:r>
+          </a:p>
+          <a:p>
+            <a:pPr marL="171450" indent="-171450">
+              <a:buFont typeface="Arial" panose="020B0604020202020204" pitchFamily="34" charset="0"/>
+              <a:buChar char="•"/>
+            </a:pPr>
+            <a:r>
+              <a:rPr lang="en-CA" sz="1200" dirty="0" smtClean="0">
+                <a:solidFill>
+                  <a:schemeClr val="tx1"/>
+                </a:solidFill>
+              </a:rPr>
+              <a:t>Related to behaviour – what does this tell us about how they perceived the music?</a:t>
+            </a:r>
+          </a:p>
+          <a:p>
+            <a:pPr marL="171450" indent="-171450">
+              <a:buFont typeface="Arial" panose="020B0604020202020204" pitchFamily="34" charset="0"/>
+              <a:buChar char="•"/>
+            </a:pPr>
+            <a:r>
+              <a:rPr lang="en-CA" sz="1200" dirty="0" smtClean="0">
+                <a:solidFill>
+                  <a:schemeClr val="tx1"/>
+                </a:solidFill>
+              </a:rPr>
+              <a:t>Related to </a:t>
+            </a:r>
+            <a:r>
+              <a:rPr lang="en-CA" sz="1200" dirty="0" smtClean="0">
+                <a:solidFill>
+                  <a:srgbClr val="C00000"/>
+                </a:solidFill>
+              </a:rPr>
+              <a:t>CBS</a:t>
+            </a:r>
+            <a:r>
+              <a:rPr lang="en-CA" sz="1200" dirty="0" smtClean="0">
+                <a:solidFill>
+                  <a:schemeClr val="tx1"/>
+                </a:solidFill>
+              </a:rPr>
+              <a:t> scores</a:t>
+            </a:r>
+          </a:p>
+        </p:txBody>
+      </p:sp>
+      <p:sp>
+        <p:nvSpPr>
+          <p:cNvPr id="10" name="Rectangle 9"/>
           <p:cNvSpPr/>
           <p:nvPr/>
         </p:nvSpPr>
         <p:spPr>
           <a:xfrm>
-            <a:off x="6799150" y="2009870"/>
-            <a:ext cx="2083808" cy="1756372"/>
+            <a:off x="615635" y="3978998"/>
+            <a:ext cx="3016313" cy="1756372"/>
           </a:xfrm>
           <a:prstGeom prst="rect">
             <a:avLst/>
           </a:prstGeom>
           <a:solidFill>
-            <a:schemeClr val="accent1">
-              <a:lumMod val="50000"/>
+            <a:schemeClr val="bg2">
+              <a:lumMod val="75000"/>
             </a:schemeClr>
           </a:solidFill>
+          <a:ln>
+            <a:noFill/>
+          </a:ln>
         </p:spPr>
         <p:style>
           <a:lnRef idx="2">
@@ -3577,16 +3502,29 @@
           <a:p>
             <a:pPr algn="ctr"/>
             <a:r>
-              <a:rPr lang="en-CA" sz="1200" b="1" dirty="0" smtClean="0"/>
-              <a:t>Early AD or dementia?</a:t>
+              <a:rPr lang="en-CA" sz="1200" b="1" dirty="0" smtClean="0">
+                <a:solidFill>
+                  <a:schemeClr val="tx1"/>
+                </a:solidFill>
+              </a:rPr>
+              <a:t>Older Adults</a:t>
             </a:r>
           </a:p>
           <a:p>
             <a:pPr algn="ctr"/>
             <a:r>
-              <a:rPr lang="en-CA" sz="1200" b="1" dirty="0" smtClean="0"/>
-              <a:t>Music synchrony</a:t>
-            </a:r>
+              <a:rPr lang="en-CA" sz="1200" b="1" dirty="0" smtClean="0">
+                <a:solidFill>
+                  <a:schemeClr val="tx1"/>
+                </a:solidFill>
+              </a:rPr>
+              <a:t>How does cognition change as we age?</a:t>
+            </a:r>
+            <a:endParaRPr lang="en-CA" sz="1200" dirty="0" smtClean="0">
+              <a:solidFill>
+                <a:schemeClr val="tx1"/>
+              </a:solidFill>
+            </a:endParaRPr>
           </a:p>
           <a:p>
             <a:pPr marL="171450" indent="-171450">
@@ -3594,8 +3532,28 @@
               <a:buChar char="•"/>
             </a:pPr>
             <a:r>
-              <a:rPr lang="en-CA" sz="1200" dirty="0" smtClean="0"/>
-              <a:t>fMRI</a:t>
+              <a:rPr lang="en-CA" sz="1200" dirty="0" smtClean="0">
+                <a:solidFill>
+                  <a:schemeClr val="tx1"/>
+                </a:solidFill>
+              </a:rPr>
+              <a:t>CBS, </a:t>
+            </a:r>
+            <a:r>
+              <a:rPr lang="en-CA" sz="1200" dirty="0" err="1" smtClean="0">
+                <a:solidFill>
+                  <a:schemeClr val="tx1"/>
+                </a:solidFill>
+              </a:rPr>
+              <a:t>MoCA</a:t>
+            </a:r>
+            <a:r>
+              <a:rPr lang="en-CA" sz="1200" dirty="0" smtClean="0">
+                <a:solidFill>
+                  <a:schemeClr val="tx1"/>
+                </a:solidFill>
+              </a:rPr>
+              <a:t>, MMSE</a:t>
             </a:r>
           </a:p>
           <a:p>
@@ -3604,14 +3562,12 @@
               <a:buChar char="•"/>
             </a:pPr>
             <a:r>
-              <a:rPr lang="en-CA" sz="1200" dirty="0" smtClean="0"/>
-              <a:t>Long known stim only</a:t>
-            </a:r>
-          </a:p>
-          <a:p>
-            <a:r>
-              <a:rPr lang="en-CA" sz="1200" dirty="0" smtClean="0"/>
-              <a:t>(using other older adult study as a bridge between training  paradigm and long known stim)</a:t>
+              <a:rPr lang="en-CA" sz="1200" dirty="0" smtClean="0">
+                <a:solidFill>
+                  <a:schemeClr val="tx1"/>
+                </a:solidFill>
+              </a:rPr>
+              <a:t>CBS as a fine-grained way to measure cognition</a:t>
             </a:r>
           </a:p>
           <a:p>
@@ -3622,12 +3578,285 @@
             <a:r>
               <a:rPr lang="en-CA" sz="1200" dirty="0" smtClean="0">
                 <a:solidFill>
-                  <a:schemeClr val="accent4">
-                    <a:lumMod val="75000"/>
-                  </a:schemeClr>
-                </a:solidFill>
-              </a:rPr>
-              <a:t>CBS scores</a:t>
+                  <a:schemeClr val="tx1"/>
+                </a:solidFill>
+              </a:rPr>
+              <a:t>Validating why we should use </a:t>
+            </a:r>
+            <a:r>
+              <a:rPr lang="en-CA" sz="1200" dirty="0" smtClean="0">
+                <a:solidFill>
+                  <a:srgbClr val="C00000"/>
+                </a:solidFill>
+              </a:rPr>
+              <a:t>CBS</a:t>
+            </a:r>
+            <a:r>
+              <a:rPr lang="en-CA" sz="1200" dirty="0" smtClean="0">
+                <a:solidFill>
+                  <a:schemeClr val="tx1"/>
+                </a:solidFill>
+              </a:rPr>
+              <a:t> in the other older adult experiments</a:t>
+            </a:r>
+            <a:endParaRPr lang="en-CA" sz="1200" dirty="0">
+              <a:solidFill>
+                <a:schemeClr val="tx1"/>
+              </a:solidFill>
+            </a:endParaRPr>
+          </a:p>
+        </p:txBody>
+      </p:sp>
+      <p:sp>
+        <p:nvSpPr>
+          <p:cNvPr id="11" name="Rectangle 10"/>
+          <p:cNvSpPr/>
+          <p:nvPr/>
+        </p:nvSpPr>
+        <p:spPr>
+          <a:xfrm>
+            <a:off x="3631948" y="3978998"/>
+            <a:ext cx="3016313" cy="1756372"/>
+          </a:xfrm>
+          <a:prstGeom prst="rect">
+            <a:avLst/>
+          </a:prstGeom>
+          <a:solidFill>
+            <a:schemeClr val="bg2">
+              <a:lumMod val="75000"/>
+            </a:schemeClr>
+          </a:solidFill>
+          <a:ln>
+            <a:noFill/>
+          </a:ln>
+        </p:spPr>
+        <p:style>
+          <a:lnRef idx="2">
+            <a:schemeClr val="accent1">
+              <a:shade val="50000"/>
+            </a:schemeClr>
+          </a:lnRef>
+          <a:fillRef idx="1">
+            <a:schemeClr val="accent1"/>
+          </a:fillRef>
+          <a:effectRef idx="0">
+            <a:schemeClr val="accent1"/>
+          </a:effectRef>
+          <a:fontRef idx="minor">
+            <a:schemeClr val="lt1"/>
+          </a:fontRef>
+        </p:style>
+        <p:txBody>
+          <a:bodyPr rtlCol="0" anchor="ctr"/>
+          <a:lstStyle/>
+          <a:p>
+            <a:pPr algn="ctr"/>
+            <a:r>
+              <a:rPr lang="en-CA" sz="1200" b="1" dirty="0" smtClean="0">
+                <a:solidFill>
+                  <a:schemeClr val="tx1"/>
+                </a:solidFill>
+              </a:rPr>
+              <a:t>Older Adults</a:t>
+            </a:r>
+          </a:p>
+          <a:p>
+            <a:pPr algn="ctr"/>
+            <a:r>
+              <a:rPr lang="en-CA" sz="1200" b="1" dirty="0" smtClean="0">
+                <a:solidFill>
+                  <a:schemeClr val="tx1"/>
+                </a:solidFill>
+              </a:rPr>
+              <a:t>How can we measure what it’s like to be a healthy or declining adult?</a:t>
+            </a:r>
+          </a:p>
+          <a:p>
+            <a:pPr algn="ctr"/>
+            <a:endParaRPr lang="en-CA" sz="1200" dirty="0" smtClean="0">
+              <a:solidFill>
+                <a:schemeClr val="tx1"/>
+              </a:solidFill>
+            </a:endParaRPr>
+          </a:p>
+          <a:p>
+            <a:pPr marL="171450" indent="-171450">
+              <a:buFont typeface="Arial" panose="020B0604020202020204" pitchFamily="34" charset="0"/>
+              <a:buChar char="•"/>
+            </a:pPr>
+            <a:r>
+              <a:rPr lang="en-CA" sz="1200" dirty="0" smtClean="0">
+                <a:solidFill>
+                  <a:schemeClr val="tx1"/>
+                </a:solidFill>
+              </a:rPr>
+              <a:t>Data mining the RUSH data </a:t>
+            </a:r>
+            <a:r>
+              <a:rPr lang="mr-IN" sz="1200" dirty="0" smtClean="0">
+                <a:solidFill>
+                  <a:schemeClr val="tx1"/>
+                </a:solidFill>
+              </a:rPr>
+              <a:t>–</a:t>
+            </a:r>
+            <a:r>
+              <a:rPr lang="en-CA" sz="1200" dirty="0" smtClean="0">
+                <a:solidFill>
+                  <a:schemeClr val="tx1"/>
+                </a:solidFill>
+              </a:rPr>
+              <a:t> </a:t>
+            </a:r>
+            <a:r>
+              <a:rPr lang="en-CA" sz="1200" dirty="0" err="1" smtClean="0">
+                <a:solidFill>
+                  <a:schemeClr val="tx1"/>
+                </a:solidFill>
+              </a:rPr>
+              <a:t>Hachinski</a:t>
+            </a:r>
+            <a:endParaRPr lang="en-CA" sz="1200" dirty="0" smtClean="0">
+              <a:solidFill>
+                <a:schemeClr val="tx1"/>
+              </a:solidFill>
+            </a:endParaRPr>
+          </a:p>
+          <a:p>
+            <a:pPr marL="171450" indent="-171450">
+              <a:buFont typeface="Arial" panose="020B0604020202020204" pitchFamily="34" charset="0"/>
+              <a:buChar char="•"/>
+            </a:pPr>
+            <a:endParaRPr lang="en-CA" sz="1200" dirty="0">
+              <a:solidFill>
+                <a:schemeClr val="tx1"/>
+              </a:solidFill>
+            </a:endParaRPr>
+          </a:p>
+        </p:txBody>
+      </p:sp>
+      <p:sp>
+        <p:nvSpPr>
+          <p:cNvPr id="12" name="Rectangle 11"/>
+          <p:cNvSpPr/>
+          <p:nvPr/>
+        </p:nvSpPr>
+        <p:spPr>
+          <a:xfrm>
+            <a:off x="6799150" y="2009870"/>
+            <a:ext cx="2083808" cy="1756372"/>
+          </a:xfrm>
+          <a:prstGeom prst="rect">
+            <a:avLst/>
+          </a:prstGeom>
+          <a:solidFill>
+            <a:schemeClr val="bg2">
+              <a:lumMod val="75000"/>
+            </a:schemeClr>
+          </a:solidFill>
+          <a:ln>
+            <a:noFill/>
+          </a:ln>
+        </p:spPr>
+        <p:style>
+          <a:lnRef idx="2">
+            <a:schemeClr val="accent1">
+              <a:shade val="50000"/>
+            </a:schemeClr>
+          </a:lnRef>
+          <a:fillRef idx="1">
+            <a:schemeClr val="accent1"/>
+          </a:fillRef>
+          <a:effectRef idx="0">
+            <a:schemeClr val="accent1"/>
+          </a:effectRef>
+          <a:fontRef idx="minor">
+            <a:schemeClr val="lt1"/>
+          </a:fontRef>
+        </p:style>
+        <p:txBody>
+          <a:bodyPr rtlCol="0" anchor="ctr"/>
+          <a:lstStyle/>
+          <a:p>
+            <a:pPr algn="ctr"/>
+            <a:r>
+              <a:rPr lang="en-CA" sz="1200" b="1" dirty="0" smtClean="0">
+                <a:solidFill>
+                  <a:schemeClr val="tx1"/>
+                </a:solidFill>
+              </a:rPr>
+              <a:t>Early AD or dementia?</a:t>
+            </a:r>
+          </a:p>
+          <a:p>
+            <a:pPr algn="ctr"/>
+            <a:r>
+              <a:rPr lang="en-CA" sz="1200" b="1" dirty="0" smtClean="0">
+                <a:solidFill>
+                  <a:schemeClr val="tx1"/>
+                </a:solidFill>
+              </a:rPr>
+              <a:t>Music synchrony</a:t>
+            </a:r>
+          </a:p>
+          <a:p>
+            <a:pPr marL="171450" indent="-171450">
+              <a:buFont typeface="Arial" panose="020B0604020202020204" pitchFamily="34" charset="0"/>
+              <a:buChar char="•"/>
+            </a:pPr>
+            <a:r>
+              <a:rPr lang="en-CA" sz="1200" dirty="0" smtClean="0">
+                <a:solidFill>
+                  <a:schemeClr val="tx1"/>
+                </a:solidFill>
+              </a:rPr>
+              <a:t>fMRI</a:t>
+            </a:r>
+          </a:p>
+          <a:p>
+            <a:pPr marL="171450" indent="-171450">
+              <a:buFont typeface="Arial" panose="020B0604020202020204" pitchFamily="34" charset="0"/>
+              <a:buChar char="•"/>
+            </a:pPr>
+            <a:r>
+              <a:rPr lang="en-CA" sz="1200" dirty="0" smtClean="0">
+                <a:solidFill>
+                  <a:schemeClr val="tx1"/>
+                </a:solidFill>
+              </a:rPr>
+              <a:t>Long known stim only</a:t>
+            </a:r>
+          </a:p>
+          <a:p>
+            <a:r>
+              <a:rPr lang="en-CA" sz="1200" dirty="0" smtClean="0">
+                <a:solidFill>
+                  <a:schemeClr val="tx1"/>
+                </a:solidFill>
+              </a:rPr>
+              <a:t>(using other older adult study as a bridge between training  paradigm and long known stim)</a:t>
+            </a:r>
+          </a:p>
+          <a:p>
+            <a:pPr marL="171450" indent="-171450">
+              <a:buFont typeface="Arial" panose="020B0604020202020204" pitchFamily="34" charset="0"/>
+              <a:buChar char="•"/>
+            </a:pPr>
+            <a:r>
+              <a:rPr lang="en-CA" sz="1200" dirty="0" smtClean="0">
+                <a:solidFill>
+                  <a:srgbClr val="C00000"/>
+                </a:solidFill>
+              </a:rPr>
+              <a:t>CBS</a:t>
+            </a:r>
+            <a:r>
+              <a:rPr lang="en-CA" sz="1200" dirty="0" smtClean="0">
+                <a:solidFill>
+                  <a:schemeClr val="tx1"/>
+                </a:solidFill>
+              </a:rPr>
+              <a:t> scores</a:t>
             </a:r>
           </a:p>
         </p:txBody>
@@ -3664,7 +3893,7 @@
           <a:noFill/>
           <a:extLst>
             <a:ext uri="{909E8E84-426E-40dd-AFC4-6F175D3DCCD1}">
-              <a14:hiddenFill xmlns:a14="http://schemas.microsoft.com/office/drawing/2010/main">
+              <a14:hiddenFill xmlns:a14="http://schemas.microsoft.com/office/drawing/2010/main" xmlns="">
                 <a:solidFill>
                   <a:srgbClr val="FFFFFF"/>
                 </a:solidFill>
@@ -3705,7 +3934,7 @@
           <a:noFill/>
           <a:extLst>
             <a:ext uri="{909E8E84-426E-40dd-AFC4-6F175D3DCCD1}">
-              <a14:hiddenFill xmlns:a14="http://schemas.microsoft.com/office/drawing/2010/main">
+              <a14:hiddenFill xmlns:a14="http://schemas.microsoft.com/office/drawing/2010/main" xmlns="">
                 <a:solidFill>
                   <a:srgbClr val="FFFFFF"/>
                 </a:solidFill>
@@ -3746,7 +3975,7 @@
           <a:noFill/>
           <a:extLst>
             <a:ext uri="{909E8E84-426E-40dd-AFC4-6F175D3DCCD1}">
-              <a14:hiddenFill xmlns:a14="http://schemas.microsoft.com/office/drawing/2010/main">
+              <a14:hiddenFill xmlns:a14="http://schemas.microsoft.com/office/drawing/2010/main" xmlns="">
                 <a:solidFill>
                   <a:srgbClr val="FFFFFF"/>
                 </a:solidFill>
@@ -3771,7 +4000,7 @@
           </a:prstGeom>
           <a:ln w="44450">
             <a:solidFill>
-              <a:srgbClr val="FFC000"/>
+              <a:srgbClr val="7030A0"/>
             </a:solidFill>
             <a:tailEnd type="triangle"/>
           </a:ln>
@@ -3808,7 +4037,7 @@
           </a:prstGeom>
           <a:ln w="44450">
             <a:solidFill>
-              <a:srgbClr val="FFC000"/>
+              <a:srgbClr val="7030A0"/>
             </a:solidFill>
             <a:tailEnd type="triangle"/>
           </a:ln>
@@ -3845,7 +4074,7 @@
           </a:prstGeom>
           <a:ln w="44450">
             <a:solidFill>
-              <a:srgbClr val="FFC000"/>
+              <a:srgbClr val="7030A0"/>
             </a:solidFill>
             <a:tailEnd type="triangle"/>
           </a:ln>
@@ -3882,7 +4111,7 @@
           </a:prstGeom>
           <a:ln w="44450">
             <a:solidFill>
-              <a:srgbClr val="FFC000"/>
+              <a:srgbClr val="7030A0"/>
             </a:solidFill>
             <a:tailEnd type="triangle"/>
           </a:ln>
@@ -3935,7 +4164,7 @@
           <a:noFill/>
           <a:extLst>
             <a:ext uri="{909E8E84-426E-40dd-AFC4-6F175D3DCCD1}">
-              <a14:hiddenFill xmlns:a14="http://schemas.microsoft.com/office/drawing/2010/main">
+              <a14:hiddenFill xmlns:a14="http://schemas.microsoft.com/office/drawing/2010/main" xmlns="">
                 <a:solidFill>
                   <a:srgbClr val="FFFFFF"/>
                 </a:solidFill>
@@ -4242,7 +4471,7 @@
   <a:extraClrSchemeLst/>
   <a:extLst>
     <a:ext uri="{05A4C25C-085E-4340-85A3-A5531E510DB2}">
-      <thm15:themeFamily xmlns:thm15="http://schemas.microsoft.com/office/thememl/2012/main" xmlns="" name="Office Theme" id="{62F939B6-93AF-4DB8-9C6B-D6C7DFDC589F}" vid="{4A3C46E8-61CC-4603-A589-7422A47A8E4A}"/>
+      <thm15:themeFamily xmlns:thm15="http://schemas.microsoft.com/office/thememl/2012/main" name="Office Theme" id="{62F939B6-93AF-4DB8-9C6B-D6C7DFDC589F}" vid="{4A3C46E8-61CC-4603-A589-7422A47A8E4A}"/>
     </a:ext>
   </a:extLst>
 </a:theme>
